--- a/lectures/KR-3.pptx
+++ b/lectures/KR-3.pptx
@@ -7,8 +7,9 @@
   <p:sldIdLst>
     <p:sldId id="256" r:id="rId2"/>
     <p:sldId id="287" r:id="rId3"/>
-    <p:sldId id="284" r:id="rId4"/>
-    <p:sldId id="285" r:id="rId5"/>
+    <p:sldId id="288" r:id="rId4"/>
+    <p:sldId id="284" r:id="rId5"/>
+    <p:sldId id="285" r:id="rId6"/>
   </p:sldIdLst>
   <p:sldSz cx="12192000" cy="6858000"/>
   <p:notesSz cx="6858000" cy="9144000"/>
@@ -3592,6 +3593,86 @@
       </p:grpSpPr>
       <p:sp>
         <p:nvSpPr>
+          <p:cNvPr id="2" name="Title 1">
+            <a:extLst>
+              <a:ext uri="{FF2B5EF4-FFF2-40B4-BE49-F238E27FC236}">
+                <a16:creationId xmlns:a16="http://schemas.microsoft.com/office/drawing/2014/main" id="{5BC7E478-8AC7-CB30-2DFE-4997E1CDB023}"/>
+              </a:ext>
+            </a:extLst>
+          </p:cNvPr>
+          <p:cNvSpPr>
+            <a:spLocks noGrp="1"/>
+          </p:cNvSpPr>
+          <p:nvPr>
+            <p:ph type="title"/>
+          </p:nvPr>
+        </p:nvSpPr>
+        <p:spPr/>
+        <p:txBody>
+          <a:bodyPr/>
+          <a:lstStyle/>
+          <a:p>
+            <a:endParaRPr lang="en-US"/>
+          </a:p>
+        </p:txBody>
+      </p:sp>
+      <p:sp>
+        <p:nvSpPr>
+          <p:cNvPr id="3" name="Content Placeholder 2">
+            <a:extLst>
+              <a:ext uri="{FF2B5EF4-FFF2-40B4-BE49-F238E27FC236}">
+                <a16:creationId xmlns:a16="http://schemas.microsoft.com/office/drawing/2014/main" id="{939D958A-C885-ABAD-834E-7D7A36872FE2}"/>
+              </a:ext>
+            </a:extLst>
+          </p:cNvPr>
+          <p:cNvSpPr>
+            <a:spLocks noGrp="1"/>
+          </p:cNvSpPr>
+          <p:nvPr>
+            <p:ph idx="1"/>
+          </p:nvPr>
+        </p:nvSpPr>
+        <p:spPr/>
+        <p:txBody>
+          <a:bodyPr/>
+          <a:lstStyle/>
+          <a:p>
+            <a:endParaRPr lang="en-US"/>
+          </a:p>
+        </p:txBody>
+      </p:sp>
+    </p:spTree>
+    <p:extLst>
+      <p:ext uri="{BB962C8B-B14F-4D97-AF65-F5344CB8AC3E}">
+        <p14:creationId xmlns:p14="http://schemas.microsoft.com/office/powerpoint/2010/main" val="170885228"/>
+      </p:ext>
+    </p:extLst>
+  </p:cSld>
+  <p:clrMapOvr>
+    <a:masterClrMapping/>
+  </p:clrMapOvr>
+</p:sld>
+</file>
+
+<file path=ppt/slides/slide4.xml><?xml version="1.0" encoding="utf-8"?>
+<p:sld xmlns:a="http://schemas.openxmlformats.org/drawingml/2006/main" xmlns:r="http://schemas.openxmlformats.org/officeDocument/2006/relationships" xmlns:p="http://schemas.openxmlformats.org/presentationml/2006/main">
+  <p:cSld>
+    <p:spTree>
+      <p:nvGrpSpPr>
+        <p:cNvPr id="1" name=""/>
+        <p:cNvGrpSpPr/>
+        <p:nvPr/>
+      </p:nvGrpSpPr>
+      <p:grpSpPr>
+        <a:xfrm>
+          <a:off x="0" y="0"/>
+          <a:ext cx="0" cy="0"/>
+          <a:chOff x="0" y="0"/>
+          <a:chExt cx="0" cy="0"/>
+        </a:xfrm>
+      </p:grpSpPr>
+      <p:sp>
+        <p:nvSpPr>
           <p:cNvPr id="3" name="Title 2">
             <a:extLst>
               <a:ext uri="{FF2B5EF4-FFF2-40B4-BE49-F238E27FC236}">
@@ -3681,7 +3762,7 @@
 </p:sld>
 </file>
 
-<file path=ppt/slides/slide4.xml><?xml version="1.0" encoding="utf-8"?>
+<file path=ppt/slides/slide5.xml><?xml version="1.0" encoding="utf-8"?>
 <p:sld xmlns:a="http://schemas.openxmlformats.org/drawingml/2006/main" xmlns:r="http://schemas.openxmlformats.org/officeDocument/2006/relationships" xmlns:p="http://schemas.openxmlformats.org/presentationml/2006/main">
   <p:cSld>
     <p:spTree>

--- a/lectures/KR-3.pptx
+++ b/lectures/KR-3.pptx
@@ -8,8 +8,12 @@
     <p:sldId id="256" r:id="rId2"/>
     <p:sldId id="287" r:id="rId3"/>
     <p:sldId id="288" r:id="rId4"/>
-    <p:sldId id="284" r:id="rId5"/>
-    <p:sldId id="285" r:id="rId6"/>
+    <p:sldId id="289" r:id="rId5"/>
+    <p:sldId id="291" r:id="rId6"/>
+    <p:sldId id="292" r:id="rId7"/>
+    <p:sldId id="290" r:id="rId8"/>
+    <p:sldId id="284" r:id="rId9"/>
+    <p:sldId id="285" r:id="rId10"/>
   </p:sldIdLst>
   <p:sldSz cx="12192000" cy="6858000"/>
   <p:notesSz cx="6858000" cy="9144000"/>
@@ -263,7 +267,7 @@
           <a:p>
             <a:fld id="{C13A938A-C9BA-0346-A74F-83EB1631032C}" type="datetimeFigureOut">
               <a:rPr lang="en-US" smtClean="0"/>
-              <a:t>7/31/22</a:t>
+              <a:t>1/23/23</a:t>
             </a:fld>
             <a:endParaRPr lang="en-US"/>
           </a:p>
@@ -461,7 +465,7 @@
           <a:p>
             <a:fld id="{C13A938A-C9BA-0346-A74F-83EB1631032C}" type="datetimeFigureOut">
               <a:rPr lang="en-US" smtClean="0"/>
-              <a:t>7/31/22</a:t>
+              <a:t>1/23/23</a:t>
             </a:fld>
             <a:endParaRPr lang="en-US"/>
           </a:p>
@@ -669,7 +673,7 @@
           <a:p>
             <a:fld id="{C13A938A-C9BA-0346-A74F-83EB1631032C}" type="datetimeFigureOut">
               <a:rPr lang="en-US" smtClean="0"/>
-              <a:t>7/31/22</a:t>
+              <a:t>1/23/23</a:t>
             </a:fld>
             <a:endParaRPr lang="en-US"/>
           </a:p>
@@ -867,7 +871,7 @@
           <a:p>
             <a:fld id="{C13A938A-C9BA-0346-A74F-83EB1631032C}" type="datetimeFigureOut">
               <a:rPr lang="en-US" smtClean="0"/>
-              <a:t>7/31/22</a:t>
+              <a:t>1/23/23</a:t>
             </a:fld>
             <a:endParaRPr lang="en-US"/>
           </a:p>
@@ -1142,7 +1146,7 @@
           <a:p>
             <a:fld id="{C13A938A-C9BA-0346-A74F-83EB1631032C}" type="datetimeFigureOut">
               <a:rPr lang="en-US" smtClean="0"/>
-              <a:t>7/31/22</a:t>
+              <a:t>1/23/23</a:t>
             </a:fld>
             <a:endParaRPr lang="en-US"/>
           </a:p>
@@ -1407,7 +1411,7 @@
           <a:p>
             <a:fld id="{C13A938A-C9BA-0346-A74F-83EB1631032C}" type="datetimeFigureOut">
               <a:rPr lang="en-US" smtClean="0"/>
-              <a:t>7/31/22</a:t>
+              <a:t>1/23/23</a:t>
             </a:fld>
             <a:endParaRPr lang="en-US"/>
           </a:p>
@@ -1819,7 +1823,7 @@
           <a:p>
             <a:fld id="{C13A938A-C9BA-0346-A74F-83EB1631032C}" type="datetimeFigureOut">
               <a:rPr lang="en-US" smtClean="0"/>
-              <a:t>7/31/22</a:t>
+              <a:t>1/23/23</a:t>
             </a:fld>
             <a:endParaRPr lang="en-US"/>
           </a:p>
@@ -1960,7 +1964,7 @@
           <a:p>
             <a:fld id="{C13A938A-C9BA-0346-A74F-83EB1631032C}" type="datetimeFigureOut">
               <a:rPr lang="en-US" smtClean="0"/>
-              <a:t>7/31/22</a:t>
+              <a:t>1/23/23</a:t>
             </a:fld>
             <a:endParaRPr lang="en-US"/>
           </a:p>
@@ -2073,7 +2077,7 @@
           <a:p>
             <a:fld id="{C13A938A-C9BA-0346-A74F-83EB1631032C}" type="datetimeFigureOut">
               <a:rPr lang="en-US" smtClean="0"/>
-              <a:t>7/31/22</a:t>
+              <a:t>1/23/23</a:t>
             </a:fld>
             <a:endParaRPr lang="en-US"/>
           </a:p>
@@ -2384,7 +2388,7 @@
           <a:p>
             <a:fld id="{C13A938A-C9BA-0346-A74F-83EB1631032C}" type="datetimeFigureOut">
               <a:rPr lang="en-US" smtClean="0"/>
-              <a:t>7/31/22</a:t>
+              <a:t>1/23/23</a:t>
             </a:fld>
             <a:endParaRPr lang="en-US"/>
           </a:p>
@@ -2672,7 +2676,7 @@
           <a:p>
             <a:fld id="{C13A938A-C9BA-0346-A74F-83EB1631032C}" type="datetimeFigureOut">
               <a:rPr lang="en-US" smtClean="0"/>
-              <a:t>7/31/22</a:t>
+              <a:t>1/23/23</a:t>
             </a:fld>
             <a:endParaRPr lang="en-US"/>
           </a:p>
@@ -2913,7 +2917,7 @@
           <a:p>
             <a:fld id="{C13A938A-C9BA-0346-A74F-83EB1631032C}" type="datetimeFigureOut">
               <a:rPr lang="en-US" smtClean="0"/>
-              <a:t>7/31/22</a:t>
+              <a:t>1/23/23</a:t>
             </a:fld>
             <a:endParaRPr lang="en-US"/>
           </a:p>
@@ -3553,8 +3557,30 @@
           <a:p>
             <a:r>
               <a:rPr lang="en-US" dirty="0"/>
-              <a:t>Section 3.5 – While / for / assignment residual value pattern and comma operator</a:t>
-            </a:r>
+              <a:t>Section 3.4 – Never use the switch statement </a:t>
+            </a:r>
+            <a:r>
+              <a:rPr lang="en-US" dirty="0">
+                <a:sym typeface="Wingdings" pitchFamily="2" charset="2"/>
+              </a:rPr>
+              <a:t></a:t>
+            </a:r>
+            <a:endParaRPr lang="en-US" dirty="0"/>
+          </a:p>
+          <a:p>
+            <a:r>
+              <a:rPr lang="en-US" dirty="0"/>
+              <a:t>Section 3.5 – Using the comma</a:t>
+            </a:r>
+          </a:p>
+          <a:p>
+            <a:r>
+              <a:rPr lang="en-US" dirty="0"/>
+              <a:t>Section 3.5 – Excessive succinctness / brevity</a:t>
+            </a:r>
+          </a:p>
+          <a:p>
+            <a:endParaRPr lang="en-US" dirty="0"/>
           </a:p>
           <a:p>
             <a:endParaRPr lang="en-US" dirty="0"/>
@@ -3612,16 +3638,19 @@
           <a:bodyPr/>
           <a:lstStyle/>
           <a:p>
-            <a:endParaRPr lang="en-US"/>
-          </a:p>
-        </p:txBody>
-      </p:sp>
-      <p:sp>
-        <p:nvSpPr>
-          <p:cNvPr id="3" name="Content Placeholder 2">
-            <a:extLst>
-              <a:ext uri="{FF2B5EF4-FFF2-40B4-BE49-F238E27FC236}">
-                <a16:creationId xmlns:a16="http://schemas.microsoft.com/office/drawing/2014/main" id="{939D958A-C885-ABAD-834E-7D7A36872FE2}"/>
+            <a:r>
+              <a:rPr lang="en-US" dirty="0"/>
+              <a:t>Semicolons and Languages</a:t>
+            </a:r>
+          </a:p>
+        </p:txBody>
+      </p:sp>
+      <p:sp>
+        <p:nvSpPr>
+          <p:cNvPr id="14" name="Content Placeholder 13">
+            <a:extLst>
+              <a:ext uri="{FF2B5EF4-FFF2-40B4-BE49-F238E27FC236}">
+                <a16:creationId xmlns:a16="http://schemas.microsoft.com/office/drawing/2014/main" id="{26FD5D6D-333E-399B-B55B-03E3CB27D89C}"/>
               </a:ext>
             </a:extLst>
           </p:cNvPr>
@@ -3632,12 +3661,876 @@
             <p:ph idx="1"/>
           </p:nvPr>
         </p:nvSpPr>
-        <p:spPr/>
-        <p:txBody>
-          <a:bodyPr/>
-          <a:lstStyle/>
-          <a:p>
-            <a:endParaRPr lang="en-US"/>
+        <p:spPr>
+          <a:xfrm>
+            <a:off x="7708315" y="4112407"/>
+            <a:ext cx="4082668" cy="2246768"/>
+          </a:xfrm>
+          <a:ln w="28575">
+            <a:solidFill>
+              <a:schemeClr val="accent1"/>
+            </a:solidFill>
+          </a:ln>
+        </p:spPr>
+        <p:txBody>
+          <a:bodyPr>
+            <a:normAutofit fontScale="77500" lnSpcReduction="20000"/>
+          </a:bodyPr>
+          <a:lstStyle/>
+          <a:p>
+            <a:r>
+              <a:rPr lang="en-US" dirty="0"/>
+              <a:t>C – Terminator</a:t>
+            </a:r>
+          </a:p>
+          <a:p>
+            <a:r>
+              <a:rPr lang="en-US" dirty="0"/>
+              <a:t>Python – Separator</a:t>
+            </a:r>
+          </a:p>
+          <a:p>
+            <a:r>
+              <a:rPr lang="en-US" dirty="0"/>
+              <a:t>Java – Terminator</a:t>
+            </a:r>
+          </a:p>
+          <a:p>
+            <a:r>
+              <a:rPr lang="en-US" dirty="0"/>
+              <a:t>PHP – Terminator</a:t>
+            </a:r>
+          </a:p>
+          <a:p>
+            <a:r>
+              <a:rPr lang="en-US" dirty="0"/>
+              <a:t>JavaScript – Separator</a:t>
+            </a:r>
+          </a:p>
+          <a:p>
+            <a:r>
+              <a:rPr lang="en-US" dirty="0"/>
+              <a:t>Shell Script - Separator</a:t>
+            </a:r>
+          </a:p>
+          <a:p>
+            <a:pPr marL="0" indent="0">
+              <a:buNone/>
+            </a:pPr>
+            <a:endParaRPr lang="en-US" dirty="0"/>
+          </a:p>
+        </p:txBody>
+      </p:sp>
+      <p:sp>
+        <p:nvSpPr>
+          <p:cNvPr id="4" name="TextBox 3">
+            <a:extLst>
+              <a:ext uri="{FF2B5EF4-FFF2-40B4-BE49-F238E27FC236}">
+                <a16:creationId xmlns:a16="http://schemas.microsoft.com/office/drawing/2014/main" id="{DE4D6105-93D3-9E4D-A594-E1A44A34934B}"/>
+              </a:ext>
+            </a:extLst>
+          </p:cNvPr>
+          <p:cNvSpPr txBox="1"/>
+          <p:nvPr/>
+        </p:nvSpPr>
+        <p:spPr>
+          <a:xfrm>
+            <a:off x="3940959" y="2506685"/>
+            <a:ext cx="3299301" cy="954107"/>
+          </a:xfrm>
+          <a:prstGeom prst="rect">
+            <a:avLst/>
+          </a:prstGeom>
+          <a:noFill/>
+        </p:spPr>
+        <p:txBody>
+          <a:bodyPr wrap="none" rtlCol="0">
+            <a:spAutoFit/>
+          </a:bodyPr>
+          <a:lstStyle/>
+          <a:p>
+            <a:r>
+              <a:rPr lang="en-US" sz="1400" b="1" dirty="0">
+                <a:latin typeface="Courier New" panose="02070309020205020404" pitchFamily="49" charset="0"/>
+                <a:cs typeface="Courier New" panose="02070309020205020404" pitchFamily="49" charset="0"/>
+              </a:rPr>
+              <a:t>def </a:t>
+            </a:r>
+            <a:r>
+              <a:rPr lang="en-US" sz="1400" b="1" dirty="0" err="1">
+                <a:latin typeface="Courier New" panose="02070309020205020404" pitchFamily="49" charset="0"/>
+                <a:cs typeface="Courier New" panose="02070309020205020404" pitchFamily="49" charset="0"/>
+              </a:rPr>
+              <a:t>semifunc</a:t>
+            </a:r>
+            <a:r>
+              <a:rPr lang="en-US" sz="1400" b="1" dirty="0">
+                <a:latin typeface="Courier New" panose="02070309020205020404" pitchFamily="49" charset="0"/>
+                <a:cs typeface="Courier New" panose="02070309020205020404" pitchFamily="49" charset="0"/>
+              </a:rPr>
+              <a:t>(x) :</a:t>
+            </a:r>
+          </a:p>
+          <a:p>
+            <a:r>
+              <a:rPr lang="en-US" sz="1400" b="1" dirty="0">
+                <a:latin typeface="Courier New" panose="02070309020205020404" pitchFamily="49" charset="0"/>
+                <a:cs typeface="Courier New" panose="02070309020205020404" pitchFamily="49" charset="0"/>
+              </a:rPr>
+              <a:t>    if x == 21:</a:t>
+            </a:r>
+          </a:p>
+          <a:p>
+            <a:r>
+              <a:rPr lang="en-US" sz="1400" b="1" dirty="0">
+                <a:latin typeface="Courier New" panose="02070309020205020404" pitchFamily="49" charset="0"/>
+                <a:cs typeface="Courier New" panose="02070309020205020404" pitchFamily="49" charset="0"/>
+              </a:rPr>
+              <a:t>        x = x + 1; x = x / 2;</a:t>
+            </a:r>
+          </a:p>
+          <a:p>
+            <a:r>
+              <a:rPr lang="en-US" sz="1400" b="1" dirty="0">
+                <a:latin typeface="Courier New" panose="02070309020205020404" pitchFamily="49" charset="0"/>
+                <a:cs typeface="Courier New" panose="02070309020205020404" pitchFamily="49" charset="0"/>
+              </a:rPr>
+              <a:t>    print(x);</a:t>
+            </a:r>
+          </a:p>
+        </p:txBody>
+      </p:sp>
+      <p:sp>
+        <p:nvSpPr>
+          <p:cNvPr id="5" name="TextBox 4">
+            <a:extLst>
+              <a:ext uri="{FF2B5EF4-FFF2-40B4-BE49-F238E27FC236}">
+                <a16:creationId xmlns:a16="http://schemas.microsoft.com/office/drawing/2014/main" id="{A34306FA-30C9-743F-223C-3EB51D49EE97}"/>
+              </a:ext>
+            </a:extLst>
+          </p:cNvPr>
+          <p:cNvSpPr txBox="1"/>
+          <p:nvPr/>
+        </p:nvSpPr>
+        <p:spPr>
+          <a:xfrm>
+            <a:off x="3940959" y="2131717"/>
+            <a:ext cx="2230098" cy="307777"/>
+          </a:xfrm>
+          <a:prstGeom prst="rect">
+            <a:avLst/>
+          </a:prstGeom>
+          <a:noFill/>
+        </p:spPr>
+        <p:txBody>
+          <a:bodyPr wrap="square">
+            <a:spAutoFit/>
+          </a:bodyPr>
+          <a:lstStyle/>
+          <a:p>
+            <a:r>
+              <a:rPr lang="en-US" sz="1400" b="1" dirty="0">
+                <a:solidFill>
+                  <a:srgbClr val="000000"/>
+                </a:solidFill>
+                <a:latin typeface="Menlo" panose="020B0609030804020204" pitchFamily="49" charset="0"/>
+              </a:rPr>
+              <a:t>kr_03_01.py  (1991)</a:t>
+            </a:r>
+          </a:p>
+        </p:txBody>
+      </p:sp>
+      <p:sp>
+        <p:nvSpPr>
+          <p:cNvPr id="6" name="TextBox 5">
+            <a:extLst>
+              <a:ext uri="{FF2B5EF4-FFF2-40B4-BE49-F238E27FC236}">
+                <a16:creationId xmlns:a16="http://schemas.microsoft.com/office/drawing/2014/main" id="{68F74C1A-2B00-24D7-F035-DF926B94348B}"/>
+              </a:ext>
+            </a:extLst>
+          </p:cNvPr>
+          <p:cNvSpPr txBox="1"/>
+          <p:nvPr/>
+        </p:nvSpPr>
+        <p:spPr>
+          <a:xfrm>
+            <a:off x="838200" y="2033541"/>
+            <a:ext cx="2440092" cy="2031325"/>
+          </a:xfrm>
+          <a:prstGeom prst="rect">
+            <a:avLst/>
+          </a:prstGeom>
+          <a:noFill/>
+        </p:spPr>
+        <p:txBody>
+          <a:bodyPr wrap="none" rtlCol="0">
+            <a:spAutoFit/>
+          </a:bodyPr>
+          <a:lstStyle/>
+          <a:p>
+            <a:r>
+              <a:rPr lang="en-US" sz="1400" b="1" dirty="0">
+                <a:latin typeface="Courier New" panose="02070309020205020404" pitchFamily="49" charset="0"/>
+                <a:cs typeface="Courier New" panose="02070309020205020404" pitchFamily="49" charset="0"/>
+              </a:rPr>
+              <a:t>void </a:t>
+            </a:r>
+            <a:r>
+              <a:rPr lang="en-US" sz="1400" b="1" dirty="0" err="1">
+                <a:latin typeface="Courier New" panose="02070309020205020404" pitchFamily="49" charset="0"/>
+                <a:cs typeface="Courier New" panose="02070309020205020404" pitchFamily="49" charset="0"/>
+              </a:rPr>
+              <a:t>semifunc</a:t>
+            </a:r>
+            <a:r>
+              <a:rPr lang="en-US" sz="1400" b="1" dirty="0">
+                <a:latin typeface="Courier New" panose="02070309020205020404" pitchFamily="49" charset="0"/>
+                <a:cs typeface="Courier New" panose="02070309020205020404" pitchFamily="49" charset="0"/>
+              </a:rPr>
+              <a:t>(x) </a:t>
+            </a:r>
+          </a:p>
+          <a:p>
+            <a:r>
+              <a:rPr lang="en-US" sz="1400" b="1" dirty="0">
+                <a:latin typeface="Courier New" panose="02070309020205020404" pitchFamily="49" charset="0"/>
+                <a:cs typeface="Courier New" panose="02070309020205020404" pitchFamily="49" charset="0"/>
+              </a:rPr>
+              <a:t>    int x;</a:t>
+            </a:r>
+          </a:p>
+          <a:p>
+            <a:r>
+              <a:rPr lang="en-US" sz="1400" b="1" dirty="0">
+                <a:latin typeface="Courier New" panose="02070309020205020404" pitchFamily="49" charset="0"/>
+                <a:cs typeface="Courier New" panose="02070309020205020404" pitchFamily="49" charset="0"/>
+              </a:rPr>
+              <a:t>{</a:t>
+            </a:r>
+          </a:p>
+          <a:p>
+            <a:r>
+              <a:rPr lang="en-US" sz="1400" b="1" dirty="0">
+                <a:latin typeface="Courier New" panose="02070309020205020404" pitchFamily="49" charset="0"/>
+                <a:cs typeface="Courier New" panose="02070309020205020404" pitchFamily="49" charset="0"/>
+              </a:rPr>
+              <a:t>    if ( x == 21 ) {</a:t>
+            </a:r>
+          </a:p>
+          <a:p>
+            <a:r>
+              <a:rPr lang="en-US" sz="1400" b="1" dirty="0">
+                <a:latin typeface="Courier New" panose="02070309020205020404" pitchFamily="49" charset="0"/>
+                <a:cs typeface="Courier New" panose="02070309020205020404" pitchFamily="49" charset="0"/>
+              </a:rPr>
+              <a:t>        x = x + 1;</a:t>
+            </a:r>
+          </a:p>
+          <a:p>
+            <a:r>
+              <a:rPr lang="en-US" sz="1400" b="1" dirty="0">
+                <a:latin typeface="Courier New" panose="02070309020205020404" pitchFamily="49" charset="0"/>
+                <a:cs typeface="Courier New" panose="02070309020205020404" pitchFamily="49" charset="0"/>
+              </a:rPr>
+              <a:t>        x = x / 2;</a:t>
+            </a:r>
+          </a:p>
+          <a:p>
+            <a:r>
+              <a:rPr lang="en-US" sz="1400" b="1" dirty="0">
+                <a:latin typeface="Courier New" panose="02070309020205020404" pitchFamily="49" charset="0"/>
+                <a:cs typeface="Courier New" panose="02070309020205020404" pitchFamily="49" charset="0"/>
+              </a:rPr>
+              <a:t>    }</a:t>
+            </a:r>
+          </a:p>
+          <a:p>
+            <a:r>
+              <a:rPr lang="en-US" sz="1400" b="1" dirty="0">
+                <a:latin typeface="Courier New" panose="02070309020205020404" pitchFamily="49" charset="0"/>
+                <a:cs typeface="Courier New" panose="02070309020205020404" pitchFamily="49" charset="0"/>
+              </a:rPr>
+              <a:t>    </a:t>
+            </a:r>
+            <a:r>
+              <a:rPr lang="en-US" sz="1400" b="1" dirty="0" err="1">
+                <a:latin typeface="Courier New" panose="02070309020205020404" pitchFamily="49" charset="0"/>
+                <a:cs typeface="Courier New" panose="02070309020205020404" pitchFamily="49" charset="0"/>
+              </a:rPr>
+              <a:t>printf</a:t>
+            </a:r>
+            <a:r>
+              <a:rPr lang="en-US" sz="1400" b="1" dirty="0">
+                <a:latin typeface="Courier New" panose="02070309020205020404" pitchFamily="49" charset="0"/>
+                <a:cs typeface="Courier New" panose="02070309020205020404" pitchFamily="49" charset="0"/>
+              </a:rPr>
+              <a:t>("%d\</a:t>
+            </a:r>
+            <a:r>
+              <a:rPr lang="en-US" sz="1400" b="1" dirty="0" err="1">
+                <a:latin typeface="Courier New" panose="02070309020205020404" pitchFamily="49" charset="0"/>
+                <a:cs typeface="Courier New" panose="02070309020205020404" pitchFamily="49" charset="0"/>
+              </a:rPr>
+              <a:t>n",x</a:t>
+            </a:r>
+            <a:r>
+              <a:rPr lang="en-US" sz="1400" b="1" dirty="0">
+                <a:latin typeface="Courier New" panose="02070309020205020404" pitchFamily="49" charset="0"/>
+                <a:cs typeface="Courier New" panose="02070309020205020404" pitchFamily="49" charset="0"/>
+              </a:rPr>
+              <a:t>);</a:t>
+            </a:r>
+          </a:p>
+          <a:p>
+            <a:r>
+              <a:rPr lang="en-US" sz="1400" b="1" dirty="0">
+                <a:latin typeface="Courier New" panose="02070309020205020404" pitchFamily="49" charset="0"/>
+                <a:cs typeface="Courier New" panose="02070309020205020404" pitchFamily="49" charset="0"/>
+              </a:rPr>
+              <a:t>}</a:t>
+            </a:r>
+          </a:p>
+        </p:txBody>
+      </p:sp>
+      <p:sp>
+        <p:nvSpPr>
+          <p:cNvPr id="7" name="TextBox 6">
+            <a:extLst>
+              <a:ext uri="{FF2B5EF4-FFF2-40B4-BE49-F238E27FC236}">
+                <a16:creationId xmlns:a16="http://schemas.microsoft.com/office/drawing/2014/main" id="{BB54B775-370E-4D26-019A-16826B2421A7}"/>
+              </a:ext>
+            </a:extLst>
+          </p:cNvPr>
+          <p:cNvSpPr txBox="1"/>
+          <p:nvPr/>
+        </p:nvSpPr>
+        <p:spPr>
+          <a:xfrm>
+            <a:off x="838200" y="1674902"/>
+            <a:ext cx="2440092" cy="307777"/>
+          </a:xfrm>
+          <a:prstGeom prst="rect">
+            <a:avLst/>
+          </a:prstGeom>
+          <a:noFill/>
+        </p:spPr>
+        <p:txBody>
+          <a:bodyPr wrap="square">
+            <a:spAutoFit/>
+          </a:bodyPr>
+          <a:lstStyle/>
+          <a:p>
+            <a:r>
+              <a:rPr lang="en-US" sz="1400" b="1" dirty="0">
+                <a:solidFill>
+                  <a:srgbClr val="000000"/>
+                </a:solidFill>
+                <a:latin typeface="Menlo" panose="020B0609030804020204" pitchFamily="49" charset="0"/>
+              </a:rPr>
+              <a:t>kr_03_01.c   (1978)</a:t>
+            </a:r>
+          </a:p>
+        </p:txBody>
+      </p:sp>
+      <p:sp>
+        <p:nvSpPr>
+          <p:cNvPr id="8" name="TextBox 7">
+            <a:extLst>
+              <a:ext uri="{FF2B5EF4-FFF2-40B4-BE49-F238E27FC236}">
+                <a16:creationId xmlns:a16="http://schemas.microsoft.com/office/drawing/2014/main" id="{DE6BCE7C-354B-C24C-C28B-A2EBA2378B4E}"/>
+              </a:ext>
+            </a:extLst>
+          </p:cNvPr>
+          <p:cNvSpPr txBox="1"/>
+          <p:nvPr/>
+        </p:nvSpPr>
+        <p:spPr>
+          <a:xfrm>
+            <a:off x="7708315" y="1551222"/>
+            <a:ext cx="4265911" cy="2246769"/>
+          </a:xfrm>
+          <a:prstGeom prst="rect">
+            <a:avLst/>
+          </a:prstGeom>
+          <a:noFill/>
+        </p:spPr>
+        <p:txBody>
+          <a:bodyPr wrap="none" rtlCol="0">
+            <a:spAutoFit/>
+          </a:bodyPr>
+          <a:lstStyle/>
+          <a:p>
+            <a:r>
+              <a:rPr lang="en-US" sz="1400" b="1" dirty="0">
+                <a:latin typeface="Courier New" panose="02070309020205020404" pitchFamily="49" charset="0"/>
+                <a:cs typeface="Courier New" panose="02070309020205020404" pitchFamily="49" charset="0"/>
+              </a:rPr>
+              <a:t>public class kr_03_01 {</a:t>
+            </a:r>
+          </a:p>
+          <a:p>
+            <a:r>
+              <a:rPr lang="en-US" sz="1400" b="1" dirty="0">
+                <a:latin typeface="Courier New" panose="02070309020205020404" pitchFamily="49" charset="0"/>
+                <a:cs typeface="Courier New" panose="02070309020205020404" pitchFamily="49" charset="0"/>
+              </a:rPr>
+              <a:t>    public static void </a:t>
+            </a:r>
+            <a:r>
+              <a:rPr lang="en-US" sz="1400" b="1" dirty="0" err="1">
+                <a:latin typeface="Courier New" panose="02070309020205020404" pitchFamily="49" charset="0"/>
+                <a:cs typeface="Courier New" panose="02070309020205020404" pitchFamily="49" charset="0"/>
+              </a:rPr>
+              <a:t>semifunc</a:t>
+            </a:r>
+            <a:r>
+              <a:rPr lang="en-US" sz="1400" b="1" dirty="0">
+                <a:latin typeface="Courier New" panose="02070309020205020404" pitchFamily="49" charset="0"/>
+                <a:cs typeface="Courier New" panose="02070309020205020404" pitchFamily="49" charset="0"/>
+              </a:rPr>
+              <a:t>(int x)</a:t>
+            </a:r>
+          </a:p>
+          <a:p>
+            <a:r>
+              <a:rPr lang="en-US" sz="1400" b="1" dirty="0">
+                <a:latin typeface="Courier New" panose="02070309020205020404" pitchFamily="49" charset="0"/>
+                <a:cs typeface="Courier New" panose="02070309020205020404" pitchFamily="49" charset="0"/>
+              </a:rPr>
+              <a:t>    {   </a:t>
+            </a:r>
+          </a:p>
+          <a:p>
+            <a:r>
+              <a:rPr lang="en-US" sz="1400" b="1" dirty="0">
+                <a:latin typeface="Courier New" panose="02070309020205020404" pitchFamily="49" charset="0"/>
+                <a:cs typeface="Courier New" panose="02070309020205020404" pitchFamily="49" charset="0"/>
+              </a:rPr>
+              <a:t>        if ( x == 21 ) {</a:t>
+            </a:r>
+          </a:p>
+          <a:p>
+            <a:r>
+              <a:rPr lang="en-US" sz="1400" b="1" dirty="0">
+                <a:latin typeface="Courier New" panose="02070309020205020404" pitchFamily="49" charset="0"/>
+                <a:cs typeface="Courier New" panose="02070309020205020404" pitchFamily="49" charset="0"/>
+              </a:rPr>
+              <a:t>            x = x + 1;</a:t>
+            </a:r>
+          </a:p>
+          <a:p>
+            <a:r>
+              <a:rPr lang="en-US" sz="1400" b="1" dirty="0">
+                <a:latin typeface="Courier New" panose="02070309020205020404" pitchFamily="49" charset="0"/>
+                <a:cs typeface="Courier New" panose="02070309020205020404" pitchFamily="49" charset="0"/>
+              </a:rPr>
+              <a:t>            x = x / 2;</a:t>
+            </a:r>
+          </a:p>
+          <a:p>
+            <a:r>
+              <a:rPr lang="en-US" sz="1400" b="1" dirty="0">
+                <a:latin typeface="Courier New" panose="02070309020205020404" pitchFamily="49" charset="0"/>
+                <a:cs typeface="Courier New" panose="02070309020205020404" pitchFamily="49" charset="0"/>
+              </a:rPr>
+              <a:t>        }</a:t>
+            </a:r>
+          </a:p>
+          <a:p>
+            <a:r>
+              <a:rPr lang="en-US" sz="1400" b="1" dirty="0">
+                <a:latin typeface="Courier New" panose="02070309020205020404" pitchFamily="49" charset="0"/>
+                <a:cs typeface="Courier New" panose="02070309020205020404" pitchFamily="49" charset="0"/>
+              </a:rPr>
+              <a:t>        </a:t>
+            </a:r>
+            <a:r>
+              <a:rPr lang="en-US" sz="1400" b="1" dirty="0" err="1">
+                <a:latin typeface="Courier New" panose="02070309020205020404" pitchFamily="49" charset="0"/>
+                <a:cs typeface="Courier New" panose="02070309020205020404" pitchFamily="49" charset="0"/>
+              </a:rPr>
+              <a:t>System.out.println</a:t>
+            </a:r>
+            <a:r>
+              <a:rPr lang="en-US" sz="1400" b="1" dirty="0">
+                <a:latin typeface="Courier New" panose="02070309020205020404" pitchFamily="49" charset="0"/>
+                <a:cs typeface="Courier New" panose="02070309020205020404" pitchFamily="49" charset="0"/>
+              </a:rPr>
+              <a:t>(x);</a:t>
+            </a:r>
+          </a:p>
+          <a:p>
+            <a:r>
+              <a:rPr lang="en-US" sz="1400" b="1" dirty="0">
+                <a:latin typeface="Courier New" panose="02070309020205020404" pitchFamily="49" charset="0"/>
+                <a:cs typeface="Courier New" panose="02070309020205020404" pitchFamily="49" charset="0"/>
+              </a:rPr>
+              <a:t>    }</a:t>
+            </a:r>
+          </a:p>
+          <a:p>
+            <a:r>
+              <a:rPr lang="en-US" sz="1400" b="1" dirty="0">
+                <a:latin typeface="Courier New" panose="02070309020205020404" pitchFamily="49" charset="0"/>
+                <a:cs typeface="Courier New" panose="02070309020205020404" pitchFamily="49" charset="0"/>
+              </a:rPr>
+              <a:t>}</a:t>
+            </a:r>
+          </a:p>
+        </p:txBody>
+      </p:sp>
+      <p:sp>
+        <p:nvSpPr>
+          <p:cNvPr id="9" name="TextBox 8">
+            <a:extLst>
+              <a:ext uri="{FF2B5EF4-FFF2-40B4-BE49-F238E27FC236}">
+                <a16:creationId xmlns:a16="http://schemas.microsoft.com/office/drawing/2014/main" id="{3B9DAA10-7DF8-0E62-ED3F-6C39E52C5F9B}"/>
+              </a:ext>
+            </a:extLst>
+          </p:cNvPr>
+          <p:cNvSpPr txBox="1"/>
+          <p:nvPr/>
+        </p:nvSpPr>
+        <p:spPr>
+          <a:xfrm>
+            <a:off x="7708315" y="1159925"/>
+            <a:ext cx="2519191" cy="307777"/>
+          </a:xfrm>
+          <a:prstGeom prst="rect">
+            <a:avLst/>
+          </a:prstGeom>
+          <a:noFill/>
+        </p:spPr>
+        <p:txBody>
+          <a:bodyPr wrap="square">
+            <a:spAutoFit/>
+          </a:bodyPr>
+          <a:lstStyle/>
+          <a:p>
+            <a:r>
+              <a:rPr lang="en-US" sz="1400" b="1" dirty="0">
+                <a:solidFill>
+                  <a:srgbClr val="000000"/>
+                </a:solidFill>
+                <a:latin typeface="Menlo" panose="020B0609030804020204" pitchFamily="49" charset="0"/>
+              </a:rPr>
+              <a:t>kr_03_01.java  (1994)</a:t>
+            </a:r>
+          </a:p>
+        </p:txBody>
+      </p:sp>
+      <p:sp>
+        <p:nvSpPr>
+          <p:cNvPr id="10" name="TextBox 9">
+            <a:extLst>
+              <a:ext uri="{FF2B5EF4-FFF2-40B4-BE49-F238E27FC236}">
+                <a16:creationId xmlns:a16="http://schemas.microsoft.com/office/drawing/2014/main" id="{D74C23A4-1733-8F5D-9AD3-5C2033DBB9C8}"/>
+              </a:ext>
+            </a:extLst>
+          </p:cNvPr>
+          <p:cNvSpPr txBox="1"/>
+          <p:nvPr/>
+        </p:nvSpPr>
+        <p:spPr>
+          <a:xfrm>
+            <a:off x="4113695" y="4758737"/>
+            <a:ext cx="2547492" cy="1600438"/>
+          </a:xfrm>
+          <a:prstGeom prst="rect">
+            <a:avLst/>
+          </a:prstGeom>
+          <a:noFill/>
+        </p:spPr>
+        <p:txBody>
+          <a:bodyPr wrap="none" rtlCol="0">
+            <a:spAutoFit/>
+          </a:bodyPr>
+          <a:lstStyle/>
+          <a:p>
+            <a:r>
+              <a:rPr lang="en-US" sz="1400" b="1" dirty="0">
+                <a:latin typeface="Courier New" panose="02070309020205020404" pitchFamily="49" charset="0"/>
+                <a:cs typeface="Courier New" panose="02070309020205020404" pitchFamily="49" charset="0"/>
+              </a:rPr>
+              <a:t>function </a:t>
+            </a:r>
+            <a:r>
+              <a:rPr lang="en-US" sz="1400" b="1" dirty="0" err="1">
+                <a:latin typeface="Courier New" panose="02070309020205020404" pitchFamily="49" charset="0"/>
+                <a:cs typeface="Courier New" panose="02070309020205020404" pitchFamily="49" charset="0"/>
+              </a:rPr>
+              <a:t>semifunc</a:t>
+            </a:r>
+            <a:r>
+              <a:rPr lang="en-US" sz="1400" b="1" dirty="0">
+                <a:latin typeface="Courier New" panose="02070309020205020404" pitchFamily="49" charset="0"/>
+                <a:cs typeface="Courier New" panose="02070309020205020404" pitchFamily="49" charset="0"/>
+              </a:rPr>
+              <a:t>(x) {</a:t>
+            </a:r>
+          </a:p>
+          <a:p>
+            <a:r>
+              <a:rPr lang="en-US" sz="1400" b="1" dirty="0">
+                <a:latin typeface="Courier New" panose="02070309020205020404" pitchFamily="49" charset="0"/>
+                <a:cs typeface="Courier New" panose="02070309020205020404" pitchFamily="49" charset="0"/>
+              </a:rPr>
+              <a:t>    if ( x == 21 ) {</a:t>
+            </a:r>
+          </a:p>
+          <a:p>
+            <a:r>
+              <a:rPr lang="en-US" sz="1400" b="1" dirty="0">
+                <a:latin typeface="Courier New" panose="02070309020205020404" pitchFamily="49" charset="0"/>
+                <a:cs typeface="Courier New" panose="02070309020205020404" pitchFamily="49" charset="0"/>
+              </a:rPr>
+              <a:t>        x = x + 1;</a:t>
+            </a:r>
+          </a:p>
+          <a:p>
+            <a:r>
+              <a:rPr lang="en-US" sz="1400" b="1" dirty="0">
+                <a:latin typeface="Courier New" panose="02070309020205020404" pitchFamily="49" charset="0"/>
+                <a:cs typeface="Courier New" panose="02070309020205020404" pitchFamily="49" charset="0"/>
+              </a:rPr>
+              <a:t>        x = x / 2</a:t>
+            </a:r>
+          </a:p>
+          <a:p>
+            <a:r>
+              <a:rPr lang="en-US" sz="1400" b="1" dirty="0">
+                <a:latin typeface="Courier New" panose="02070309020205020404" pitchFamily="49" charset="0"/>
+                <a:cs typeface="Courier New" panose="02070309020205020404" pitchFamily="49" charset="0"/>
+              </a:rPr>
+              <a:t>    }</a:t>
+            </a:r>
+          </a:p>
+          <a:p>
+            <a:r>
+              <a:rPr lang="en-US" sz="1400" b="1" dirty="0">
+                <a:latin typeface="Courier New" panose="02070309020205020404" pitchFamily="49" charset="0"/>
+                <a:cs typeface="Courier New" panose="02070309020205020404" pitchFamily="49" charset="0"/>
+              </a:rPr>
+              <a:t>    </a:t>
+            </a:r>
+            <a:r>
+              <a:rPr lang="en-US" sz="1400" b="1" dirty="0" err="1">
+                <a:latin typeface="Courier New" panose="02070309020205020404" pitchFamily="49" charset="0"/>
+                <a:cs typeface="Courier New" panose="02070309020205020404" pitchFamily="49" charset="0"/>
+              </a:rPr>
+              <a:t>console.log</a:t>
+            </a:r>
+            <a:r>
+              <a:rPr lang="en-US" sz="1400" b="1" dirty="0">
+                <a:latin typeface="Courier New" panose="02070309020205020404" pitchFamily="49" charset="0"/>
+                <a:cs typeface="Courier New" panose="02070309020205020404" pitchFamily="49" charset="0"/>
+              </a:rPr>
+              <a:t>(x);</a:t>
+            </a:r>
+          </a:p>
+          <a:p>
+            <a:r>
+              <a:rPr lang="en-US" sz="1400" b="1" dirty="0">
+                <a:latin typeface="Courier New" panose="02070309020205020404" pitchFamily="49" charset="0"/>
+                <a:cs typeface="Courier New" panose="02070309020205020404" pitchFamily="49" charset="0"/>
+              </a:rPr>
+              <a:t>}</a:t>
+            </a:r>
+          </a:p>
+        </p:txBody>
+      </p:sp>
+      <p:sp>
+        <p:nvSpPr>
+          <p:cNvPr id="11" name="TextBox 10">
+            <a:extLst>
+              <a:ext uri="{FF2B5EF4-FFF2-40B4-BE49-F238E27FC236}">
+                <a16:creationId xmlns:a16="http://schemas.microsoft.com/office/drawing/2014/main" id="{81A67D0F-21A1-789E-1E35-53315A4B3A4F}"/>
+              </a:ext>
+            </a:extLst>
+          </p:cNvPr>
+          <p:cNvSpPr txBox="1"/>
+          <p:nvPr/>
+        </p:nvSpPr>
+        <p:spPr>
+          <a:xfrm>
+            <a:off x="4113695" y="4351111"/>
+            <a:ext cx="2303147" cy="307777"/>
+          </a:xfrm>
+          <a:prstGeom prst="rect">
+            <a:avLst/>
+          </a:prstGeom>
+          <a:noFill/>
+        </p:spPr>
+        <p:txBody>
+          <a:bodyPr wrap="square">
+            <a:spAutoFit/>
+          </a:bodyPr>
+          <a:lstStyle/>
+          <a:p>
+            <a:r>
+              <a:rPr lang="en-US" sz="1400" b="1" dirty="0">
+                <a:solidFill>
+                  <a:srgbClr val="000000"/>
+                </a:solidFill>
+                <a:latin typeface="Menlo" panose="020B0609030804020204" pitchFamily="49" charset="0"/>
+              </a:rPr>
+              <a:t>kr_03_01.js (1995)</a:t>
+            </a:r>
+          </a:p>
+        </p:txBody>
+      </p:sp>
+      <p:sp>
+        <p:nvSpPr>
+          <p:cNvPr id="12" name="TextBox 11">
+            <a:extLst>
+              <a:ext uri="{FF2B5EF4-FFF2-40B4-BE49-F238E27FC236}">
+                <a16:creationId xmlns:a16="http://schemas.microsoft.com/office/drawing/2014/main" id="{71329221-673F-97E5-957F-53CEA96150D3}"/>
+              </a:ext>
+            </a:extLst>
+          </p:cNvPr>
+          <p:cNvSpPr txBox="1"/>
+          <p:nvPr/>
+        </p:nvSpPr>
+        <p:spPr>
+          <a:xfrm>
+            <a:off x="838200" y="4705499"/>
+            <a:ext cx="2440092" cy="1815882"/>
+          </a:xfrm>
+          <a:prstGeom prst="rect">
+            <a:avLst/>
+          </a:prstGeom>
+          <a:noFill/>
+        </p:spPr>
+        <p:txBody>
+          <a:bodyPr wrap="none" rtlCol="0">
+            <a:spAutoFit/>
+          </a:bodyPr>
+          <a:lstStyle/>
+          <a:p>
+            <a:r>
+              <a:rPr lang="en-US" sz="1400" b="1" dirty="0">
+                <a:latin typeface="Courier New" panose="02070309020205020404" pitchFamily="49" charset="0"/>
+                <a:cs typeface="Courier New" panose="02070309020205020404" pitchFamily="49" charset="0"/>
+              </a:rPr>
+              <a:t>function </a:t>
+            </a:r>
+            <a:r>
+              <a:rPr lang="en-US" sz="1400" b="1" dirty="0" err="1">
+                <a:latin typeface="Courier New" panose="02070309020205020404" pitchFamily="49" charset="0"/>
+                <a:cs typeface="Courier New" panose="02070309020205020404" pitchFamily="49" charset="0"/>
+              </a:rPr>
+              <a:t>semifunc</a:t>
+            </a:r>
+            <a:r>
+              <a:rPr lang="en-US" sz="1400" b="1" dirty="0">
+                <a:latin typeface="Courier New" panose="02070309020205020404" pitchFamily="49" charset="0"/>
+                <a:cs typeface="Courier New" panose="02070309020205020404" pitchFamily="49" charset="0"/>
+              </a:rPr>
+              <a:t>($x)</a:t>
+            </a:r>
+          </a:p>
+          <a:p>
+            <a:r>
+              <a:rPr lang="en-US" sz="1400" b="1" dirty="0">
+                <a:latin typeface="Courier New" panose="02070309020205020404" pitchFamily="49" charset="0"/>
+                <a:cs typeface="Courier New" panose="02070309020205020404" pitchFamily="49" charset="0"/>
+              </a:rPr>
+              <a:t>{   </a:t>
+            </a:r>
+          </a:p>
+          <a:p>
+            <a:r>
+              <a:rPr lang="en-US" sz="1400" b="1" dirty="0">
+                <a:latin typeface="Courier New" panose="02070309020205020404" pitchFamily="49" charset="0"/>
+                <a:cs typeface="Courier New" panose="02070309020205020404" pitchFamily="49" charset="0"/>
+              </a:rPr>
+              <a:t>    if ( $x == 21 ) {</a:t>
+            </a:r>
+          </a:p>
+          <a:p>
+            <a:r>
+              <a:rPr lang="en-US" sz="1400" b="1" dirty="0">
+                <a:latin typeface="Courier New" panose="02070309020205020404" pitchFamily="49" charset="0"/>
+                <a:cs typeface="Courier New" panose="02070309020205020404" pitchFamily="49" charset="0"/>
+              </a:rPr>
+              <a:t>        $x = $x + 1;</a:t>
+            </a:r>
+          </a:p>
+          <a:p>
+            <a:r>
+              <a:rPr lang="en-US" sz="1400" b="1" dirty="0">
+                <a:latin typeface="Courier New" panose="02070309020205020404" pitchFamily="49" charset="0"/>
+                <a:cs typeface="Courier New" panose="02070309020205020404" pitchFamily="49" charset="0"/>
+              </a:rPr>
+              <a:t>        $x = $x / 2;</a:t>
+            </a:r>
+          </a:p>
+          <a:p>
+            <a:r>
+              <a:rPr lang="en-US" sz="1400" b="1" dirty="0">
+                <a:latin typeface="Courier New" panose="02070309020205020404" pitchFamily="49" charset="0"/>
+                <a:cs typeface="Courier New" panose="02070309020205020404" pitchFamily="49" charset="0"/>
+              </a:rPr>
+              <a:t>    }</a:t>
+            </a:r>
+          </a:p>
+          <a:p>
+            <a:r>
+              <a:rPr lang="en-US" sz="1400" b="1" dirty="0">
+                <a:latin typeface="Courier New" panose="02070309020205020404" pitchFamily="49" charset="0"/>
+                <a:cs typeface="Courier New" panose="02070309020205020404" pitchFamily="49" charset="0"/>
+              </a:rPr>
+              <a:t>    echo(x);</a:t>
+            </a:r>
+          </a:p>
+          <a:p>
+            <a:r>
+              <a:rPr lang="en-US" sz="1400" b="1" dirty="0">
+                <a:latin typeface="Courier New" panose="02070309020205020404" pitchFamily="49" charset="0"/>
+                <a:cs typeface="Courier New" panose="02070309020205020404" pitchFamily="49" charset="0"/>
+              </a:rPr>
+              <a:t>}</a:t>
+            </a:r>
+          </a:p>
+        </p:txBody>
+      </p:sp>
+      <p:sp>
+        <p:nvSpPr>
+          <p:cNvPr id="13" name="TextBox 12">
+            <a:extLst>
+              <a:ext uri="{FF2B5EF4-FFF2-40B4-BE49-F238E27FC236}">
+                <a16:creationId xmlns:a16="http://schemas.microsoft.com/office/drawing/2014/main" id="{B51F939A-CD0D-B69B-ABFB-BE49237EF1FC}"/>
+              </a:ext>
+            </a:extLst>
+          </p:cNvPr>
+          <p:cNvSpPr txBox="1"/>
+          <p:nvPr/>
+        </p:nvSpPr>
+        <p:spPr>
+          <a:xfrm>
+            <a:off x="838200" y="4346860"/>
+            <a:ext cx="2303147" cy="307777"/>
+          </a:xfrm>
+          <a:prstGeom prst="rect">
+            <a:avLst/>
+          </a:prstGeom>
+          <a:noFill/>
+        </p:spPr>
+        <p:txBody>
+          <a:bodyPr wrap="square">
+            <a:spAutoFit/>
+          </a:bodyPr>
+          <a:lstStyle/>
+          <a:p>
+            <a:r>
+              <a:rPr lang="en-US" sz="1400" b="1" dirty="0">
+                <a:solidFill>
+                  <a:srgbClr val="000000"/>
+                </a:solidFill>
+                <a:latin typeface="Menlo" panose="020B0609030804020204" pitchFamily="49" charset="0"/>
+              </a:rPr>
+              <a:t>kr_03_01.php (1994)</a:t>
+            </a:r>
           </a:p>
         </p:txBody>
       </p:sp>
@@ -3673,6 +4566,2118 @@
       </p:grpSpPr>
       <p:sp>
         <p:nvSpPr>
+          <p:cNvPr id="2" name="Title 1">
+            <a:extLst>
+              <a:ext uri="{FF2B5EF4-FFF2-40B4-BE49-F238E27FC236}">
+                <a16:creationId xmlns:a16="http://schemas.microsoft.com/office/drawing/2014/main" id="{7F84256E-D0FE-06BB-A68A-7485DB6CE9B7}"/>
+              </a:ext>
+            </a:extLst>
+          </p:cNvPr>
+          <p:cNvSpPr>
+            <a:spLocks noGrp="1"/>
+          </p:cNvSpPr>
+          <p:nvPr>
+            <p:ph type="title"/>
+          </p:nvPr>
+        </p:nvSpPr>
+        <p:spPr/>
+        <p:txBody>
+          <a:bodyPr/>
+          <a:lstStyle/>
+          <a:p>
+            <a:r>
+              <a:rPr lang="en-US" dirty="0"/>
+              <a:t>else if versus elseif</a:t>
+            </a:r>
+          </a:p>
+        </p:txBody>
+      </p:sp>
+      <p:sp>
+        <p:nvSpPr>
+          <p:cNvPr id="4" name="TextBox 3">
+            <a:extLst>
+              <a:ext uri="{FF2B5EF4-FFF2-40B4-BE49-F238E27FC236}">
+                <a16:creationId xmlns:a16="http://schemas.microsoft.com/office/drawing/2014/main" id="{67884061-ED89-0C06-9D32-11A1D9B6E205}"/>
+              </a:ext>
+            </a:extLst>
+          </p:cNvPr>
+          <p:cNvSpPr txBox="1"/>
+          <p:nvPr/>
+        </p:nvSpPr>
+        <p:spPr>
+          <a:xfrm>
+            <a:off x="5383011" y="4255156"/>
+            <a:ext cx="2332690" cy="1815882"/>
+          </a:xfrm>
+          <a:prstGeom prst="rect">
+            <a:avLst/>
+          </a:prstGeom>
+          <a:noFill/>
+        </p:spPr>
+        <p:txBody>
+          <a:bodyPr wrap="none" rtlCol="0">
+            <a:spAutoFit/>
+          </a:bodyPr>
+          <a:lstStyle/>
+          <a:p>
+            <a:r>
+              <a:rPr lang="en-US" sz="1400" b="1" dirty="0">
+                <a:latin typeface="Courier New" panose="02070309020205020404" pitchFamily="49" charset="0"/>
+                <a:cs typeface="Courier New" panose="02070309020205020404" pitchFamily="49" charset="0"/>
+              </a:rPr>
+              <a:t>if (expression)</a:t>
+            </a:r>
+          </a:p>
+          <a:p>
+            <a:r>
+              <a:rPr lang="en-US" sz="1400" b="1" dirty="0">
+                <a:latin typeface="Courier New" panose="02070309020205020404" pitchFamily="49" charset="0"/>
+                <a:cs typeface="Courier New" panose="02070309020205020404" pitchFamily="49" charset="0"/>
+              </a:rPr>
+              <a:t>    statement</a:t>
+            </a:r>
+          </a:p>
+          <a:p>
+            <a:r>
+              <a:rPr lang="en-US" sz="1400" b="1" dirty="0">
+                <a:latin typeface="Courier New" panose="02070309020205020404" pitchFamily="49" charset="0"/>
+                <a:cs typeface="Courier New" panose="02070309020205020404" pitchFamily="49" charset="0"/>
+              </a:rPr>
+              <a:t>else if (expression)</a:t>
+            </a:r>
+          </a:p>
+          <a:p>
+            <a:r>
+              <a:rPr lang="en-US" sz="1400" b="1" dirty="0">
+                <a:latin typeface="Courier New" panose="02070309020205020404" pitchFamily="49" charset="0"/>
+                <a:cs typeface="Courier New" panose="02070309020205020404" pitchFamily="49" charset="0"/>
+              </a:rPr>
+              <a:t>    statement</a:t>
+            </a:r>
+          </a:p>
+          <a:p>
+            <a:r>
+              <a:rPr lang="en-US" sz="1400" b="1" dirty="0">
+                <a:latin typeface="Courier New" panose="02070309020205020404" pitchFamily="49" charset="0"/>
+                <a:cs typeface="Courier New" panose="02070309020205020404" pitchFamily="49" charset="0"/>
+              </a:rPr>
+              <a:t>else if (expression)</a:t>
+            </a:r>
+          </a:p>
+          <a:p>
+            <a:r>
+              <a:rPr lang="en-US" sz="1400" b="1" dirty="0">
+                <a:latin typeface="Courier New" panose="02070309020205020404" pitchFamily="49" charset="0"/>
+                <a:cs typeface="Courier New" panose="02070309020205020404" pitchFamily="49" charset="0"/>
+              </a:rPr>
+              <a:t>    statement</a:t>
+            </a:r>
+          </a:p>
+          <a:p>
+            <a:r>
+              <a:rPr lang="en-US" sz="1400" b="1" dirty="0">
+                <a:latin typeface="Courier New" panose="02070309020205020404" pitchFamily="49" charset="0"/>
+                <a:cs typeface="Courier New" panose="02070309020205020404" pitchFamily="49" charset="0"/>
+              </a:rPr>
+              <a:t>else</a:t>
+            </a:r>
+          </a:p>
+          <a:p>
+            <a:r>
+              <a:rPr lang="en-US" sz="1400" b="1" dirty="0">
+                <a:latin typeface="Courier New" panose="02070309020205020404" pitchFamily="49" charset="0"/>
+                <a:cs typeface="Courier New" panose="02070309020205020404" pitchFamily="49" charset="0"/>
+              </a:rPr>
+              <a:t>    statement</a:t>
+            </a:r>
+          </a:p>
+        </p:txBody>
+      </p:sp>
+      <p:sp>
+        <p:nvSpPr>
+          <p:cNvPr id="5" name="TextBox 4">
+            <a:extLst>
+              <a:ext uri="{FF2B5EF4-FFF2-40B4-BE49-F238E27FC236}">
+                <a16:creationId xmlns:a16="http://schemas.microsoft.com/office/drawing/2014/main" id="{F41A0FA7-8464-2B71-91CA-8212431C2D88}"/>
+              </a:ext>
+            </a:extLst>
+          </p:cNvPr>
+          <p:cNvSpPr txBox="1"/>
+          <p:nvPr/>
+        </p:nvSpPr>
+        <p:spPr>
+          <a:xfrm>
+            <a:off x="5490412" y="1694903"/>
+            <a:ext cx="2225289" cy="1815882"/>
+          </a:xfrm>
+          <a:prstGeom prst="rect">
+            <a:avLst/>
+          </a:prstGeom>
+          <a:noFill/>
+        </p:spPr>
+        <p:txBody>
+          <a:bodyPr wrap="none" rtlCol="0">
+            <a:spAutoFit/>
+          </a:bodyPr>
+          <a:lstStyle/>
+          <a:p>
+            <a:r>
+              <a:rPr lang="en-US" sz="1400" b="1" dirty="0">
+                <a:latin typeface="Courier New" panose="02070309020205020404" pitchFamily="49" charset="0"/>
+                <a:cs typeface="Courier New" panose="02070309020205020404" pitchFamily="49" charset="0"/>
+              </a:rPr>
+              <a:t>if (expression) :</a:t>
+            </a:r>
+          </a:p>
+          <a:p>
+            <a:r>
+              <a:rPr lang="en-US" sz="1400" b="1" dirty="0">
+                <a:latin typeface="Courier New" panose="02070309020205020404" pitchFamily="49" charset="0"/>
+                <a:cs typeface="Courier New" panose="02070309020205020404" pitchFamily="49" charset="0"/>
+              </a:rPr>
+              <a:t>    block</a:t>
+            </a:r>
+          </a:p>
+          <a:p>
+            <a:r>
+              <a:rPr lang="en-US" sz="1400" b="1" dirty="0" err="1">
+                <a:latin typeface="Courier New" panose="02070309020205020404" pitchFamily="49" charset="0"/>
+                <a:cs typeface="Courier New" panose="02070309020205020404" pitchFamily="49" charset="0"/>
+              </a:rPr>
+              <a:t>elif</a:t>
+            </a:r>
+            <a:r>
+              <a:rPr lang="en-US" sz="1400" b="1" dirty="0">
+                <a:latin typeface="Courier New" panose="02070309020205020404" pitchFamily="49" charset="0"/>
+                <a:cs typeface="Courier New" panose="02070309020205020404" pitchFamily="49" charset="0"/>
+              </a:rPr>
+              <a:t> (expression) :</a:t>
+            </a:r>
+          </a:p>
+          <a:p>
+            <a:r>
+              <a:rPr lang="en-US" sz="1400" b="1" dirty="0">
+                <a:latin typeface="Courier New" panose="02070309020205020404" pitchFamily="49" charset="0"/>
+                <a:cs typeface="Courier New" panose="02070309020205020404" pitchFamily="49" charset="0"/>
+              </a:rPr>
+              <a:t>    block</a:t>
+            </a:r>
+          </a:p>
+          <a:p>
+            <a:r>
+              <a:rPr lang="en-US" sz="1400" b="1" dirty="0" err="1">
+                <a:latin typeface="Courier New" panose="02070309020205020404" pitchFamily="49" charset="0"/>
+                <a:cs typeface="Courier New" panose="02070309020205020404" pitchFamily="49" charset="0"/>
+              </a:rPr>
+              <a:t>elif</a:t>
+            </a:r>
+            <a:r>
+              <a:rPr lang="en-US" sz="1400" b="1" dirty="0">
+                <a:latin typeface="Courier New" panose="02070309020205020404" pitchFamily="49" charset="0"/>
+                <a:cs typeface="Courier New" panose="02070309020205020404" pitchFamily="49" charset="0"/>
+              </a:rPr>
+              <a:t> (expression) :</a:t>
+            </a:r>
+          </a:p>
+          <a:p>
+            <a:r>
+              <a:rPr lang="en-US" sz="1400" b="1" dirty="0">
+                <a:latin typeface="Courier New" panose="02070309020205020404" pitchFamily="49" charset="0"/>
+                <a:cs typeface="Courier New" panose="02070309020205020404" pitchFamily="49" charset="0"/>
+              </a:rPr>
+              <a:t>    block</a:t>
+            </a:r>
+          </a:p>
+          <a:p>
+            <a:r>
+              <a:rPr lang="en-US" sz="1400" b="1" dirty="0">
+                <a:latin typeface="Courier New" panose="02070309020205020404" pitchFamily="49" charset="0"/>
+                <a:cs typeface="Courier New" panose="02070309020205020404" pitchFamily="49" charset="0"/>
+              </a:rPr>
+              <a:t>else :</a:t>
+            </a:r>
+          </a:p>
+          <a:p>
+            <a:r>
+              <a:rPr lang="en-US" sz="1400" b="1" dirty="0">
+                <a:latin typeface="Courier New" panose="02070309020205020404" pitchFamily="49" charset="0"/>
+                <a:cs typeface="Courier New" panose="02070309020205020404" pitchFamily="49" charset="0"/>
+              </a:rPr>
+              <a:t>    block</a:t>
+            </a:r>
+          </a:p>
+        </p:txBody>
+      </p:sp>
+      <p:sp>
+        <p:nvSpPr>
+          <p:cNvPr id="6" name="TextBox 5">
+            <a:extLst>
+              <a:ext uri="{FF2B5EF4-FFF2-40B4-BE49-F238E27FC236}">
+                <a16:creationId xmlns:a16="http://schemas.microsoft.com/office/drawing/2014/main" id="{488BA9DA-AB0E-BDF0-812E-048EBAA9BEBA}"/>
+              </a:ext>
+            </a:extLst>
+          </p:cNvPr>
+          <p:cNvSpPr txBox="1"/>
+          <p:nvPr/>
+        </p:nvSpPr>
+        <p:spPr>
+          <a:xfrm>
+            <a:off x="8885707" y="1690688"/>
+            <a:ext cx="2869696" cy="4185761"/>
+          </a:xfrm>
+          <a:prstGeom prst="rect">
+            <a:avLst/>
+          </a:prstGeom>
+          <a:noFill/>
+        </p:spPr>
+        <p:txBody>
+          <a:bodyPr wrap="none" rtlCol="0">
+            <a:spAutoFit/>
+          </a:bodyPr>
+          <a:lstStyle/>
+          <a:p>
+            <a:r>
+              <a:rPr lang="en-US" sz="1400" b="1" dirty="0">
+                <a:latin typeface="Courier New" panose="02070309020205020404" pitchFamily="49" charset="0"/>
+                <a:cs typeface="Courier New" panose="02070309020205020404" pitchFamily="49" charset="0"/>
+              </a:rPr>
+              <a:t>if (expression) {</a:t>
+            </a:r>
+          </a:p>
+          <a:p>
+            <a:r>
+              <a:rPr lang="en-US" sz="1400" b="1" dirty="0">
+                <a:latin typeface="Courier New" panose="02070309020205020404" pitchFamily="49" charset="0"/>
+                <a:cs typeface="Courier New" panose="02070309020205020404" pitchFamily="49" charset="0"/>
+              </a:rPr>
+              <a:t>    statement</a:t>
+            </a:r>
+          </a:p>
+          <a:p>
+            <a:r>
+              <a:rPr lang="en-US" sz="1400" b="1" dirty="0">
+                <a:latin typeface="Courier New" panose="02070309020205020404" pitchFamily="49" charset="0"/>
+                <a:cs typeface="Courier New" panose="02070309020205020404" pitchFamily="49" charset="0"/>
+              </a:rPr>
+              <a:t>}</a:t>
+            </a:r>
+          </a:p>
+          <a:p>
+            <a:r>
+              <a:rPr lang="en-US" sz="1400" b="1" dirty="0">
+                <a:latin typeface="Courier New" panose="02070309020205020404" pitchFamily="49" charset="0"/>
+                <a:cs typeface="Courier New" panose="02070309020205020404" pitchFamily="49" charset="0"/>
+              </a:rPr>
+              <a:t>else</a:t>
+            </a:r>
+          </a:p>
+          <a:p>
+            <a:r>
+              <a:rPr lang="en-US" sz="1400" b="1" dirty="0">
+                <a:latin typeface="Courier New" panose="02070309020205020404" pitchFamily="49" charset="0"/>
+                <a:cs typeface="Courier New" panose="02070309020205020404" pitchFamily="49" charset="0"/>
+              </a:rPr>
+              <a:t>{</a:t>
+            </a:r>
+          </a:p>
+          <a:p>
+            <a:r>
+              <a:rPr lang="en-US" sz="1400" b="1" dirty="0">
+                <a:latin typeface="Courier New" panose="02070309020205020404" pitchFamily="49" charset="0"/>
+                <a:cs typeface="Courier New" panose="02070309020205020404" pitchFamily="49" charset="0"/>
+              </a:rPr>
+              <a:t>    if (expression) {</a:t>
+            </a:r>
+          </a:p>
+          <a:p>
+            <a:r>
+              <a:rPr lang="en-US" sz="1400" b="1" dirty="0">
+                <a:latin typeface="Courier New" panose="02070309020205020404" pitchFamily="49" charset="0"/>
+                <a:cs typeface="Courier New" panose="02070309020205020404" pitchFamily="49" charset="0"/>
+              </a:rPr>
+              <a:t>        statement</a:t>
+            </a:r>
+          </a:p>
+          <a:p>
+            <a:r>
+              <a:rPr lang="en-US" sz="1400" b="1" dirty="0">
+                <a:latin typeface="Courier New" panose="02070309020205020404" pitchFamily="49" charset="0"/>
+                <a:cs typeface="Courier New" panose="02070309020205020404" pitchFamily="49" charset="0"/>
+              </a:rPr>
+              <a:t>    }</a:t>
+            </a:r>
+          </a:p>
+          <a:p>
+            <a:r>
+              <a:rPr lang="en-US" sz="1400" b="1" dirty="0">
+                <a:latin typeface="Courier New" panose="02070309020205020404" pitchFamily="49" charset="0"/>
+                <a:cs typeface="Courier New" panose="02070309020205020404" pitchFamily="49" charset="0"/>
+              </a:rPr>
+              <a:t>    else</a:t>
+            </a:r>
+          </a:p>
+          <a:p>
+            <a:r>
+              <a:rPr lang="en-US" sz="1400" b="1" dirty="0">
+                <a:latin typeface="Courier New" panose="02070309020205020404" pitchFamily="49" charset="0"/>
+                <a:cs typeface="Courier New" panose="02070309020205020404" pitchFamily="49" charset="0"/>
+              </a:rPr>
+              <a:t>    {</a:t>
+            </a:r>
+          </a:p>
+          <a:p>
+            <a:r>
+              <a:rPr lang="en-US" sz="1400" b="1" dirty="0">
+                <a:latin typeface="Courier New" panose="02070309020205020404" pitchFamily="49" charset="0"/>
+                <a:cs typeface="Courier New" panose="02070309020205020404" pitchFamily="49" charset="0"/>
+              </a:rPr>
+              <a:t>        if (expression) {</a:t>
+            </a:r>
+          </a:p>
+          <a:p>
+            <a:r>
+              <a:rPr lang="en-US" sz="1400" b="1" dirty="0">
+                <a:latin typeface="Courier New" panose="02070309020205020404" pitchFamily="49" charset="0"/>
+                <a:cs typeface="Courier New" panose="02070309020205020404" pitchFamily="49" charset="0"/>
+              </a:rPr>
+              <a:t>            statement</a:t>
+            </a:r>
+          </a:p>
+          <a:p>
+            <a:r>
+              <a:rPr lang="en-US" sz="1400" b="1" dirty="0">
+                <a:latin typeface="Courier New" panose="02070309020205020404" pitchFamily="49" charset="0"/>
+                <a:cs typeface="Courier New" panose="02070309020205020404" pitchFamily="49" charset="0"/>
+              </a:rPr>
+              <a:t>        }</a:t>
+            </a:r>
+          </a:p>
+          <a:p>
+            <a:r>
+              <a:rPr lang="en-US" sz="1400" b="1" dirty="0">
+                <a:latin typeface="Courier New" panose="02070309020205020404" pitchFamily="49" charset="0"/>
+                <a:cs typeface="Courier New" panose="02070309020205020404" pitchFamily="49" charset="0"/>
+              </a:rPr>
+              <a:t>        else</a:t>
+            </a:r>
+          </a:p>
+          <a:p>
+            <a:r>
+              <a:rPr lang="en-US" sz="1400" b="1" dirty="0">
+                <a:latin typeface="Courier New" panose="02070309020205020404" pitchFamily="49" charset="0"/>
+                <a:cs typeface="Courier New" panose="02070309020205020404" pitchFamily="49" charset="0"/>
+              </a:rPr>
+              <a:t>        {</a:t>
+            </a:r>
+          </a:p>
+          <a:p>
+            <a:r>
+              <a:rPr lang="en-US" sz="1400" b="1" dirty="0">
+                <a:latin typeface="Courier New" panose="02070309020205020404" pitchFamily="49" charset="0"/>
+                <a:cs typeface="Courier New" panose="02070309020205020404" pitchFamily="49" charset="0"/>
+              </a:rPr>
+              <a:t>            statement</a:t>
+            </a:r>
+          </a:p>
+          <a:p>
+            <a:r>
+              <a:rPr lang="en-US" sz="1400" b="1" dirty="0">
+                <a:latin typeface="Courier New" panose="02070309020205020404" pitchFamily="49" charset="0"/>
+                <a:cs typeface="Courier New" panose="02070309020205020404" pitchFamily="49" charset="0"/>
+              </a:rPr>
+              <a:t>        }</a:t>
+            </a:r>
+          </a:p>
+          <a:p>
+            <a:r>
+              <a:rPr lang="en-US" sz="1400" b="1" dirty="0">
+                <a:latin typeface="Courier New" panose="02070309020205020404" pitchFamily="49" charset="0"/>
+                <a:cs typeface="Courier New" panose="02070309020205020404" pitchFamily="49" charset="0"/>
+              </a:rPr>
+              <a:t>    }</a:t>
+            </a:r>
+          </a:p>
+          <a:p>
+            <a:r>
+              <a:rPr lang="en-US" sz="1400" b="1" dirty="0">
+                <a:latin typeface="Courier New" panose="02070309020205020404" pitchFamily="49" charset="0"/>
+                <a:cs typeface="Courier New" panose="02070309020205020404" pitchFamily="49" charset="0"/>
+              </a:rPr>
+              <a:t>}</a:t>
+            </a:r>
+          </a:p>
+        </p:txBody>
+      </p:sp>
+      <p:sp>
+        <p:nvSpPr>
+          <p:cNvPr id="7" name="TextBox 6">
+            <a:extLst>
+              <a:ext uri="{FF2B5EF4-FFF2-40B4-BE49-F238E27FC236}">
+                <a16:creationId xmlns:a16="http://schemas.microsoft.com/office/drawing/2014/main" id="{7DBF0B26-9AAB-0A25-0179-22C8F2760AAD}"/>
+              </a:ext>
+            </a:extLst>
+          </p:cNvPr>
+          <p:cNvSpPr txBox="1"/>
+          <p:nvPr/>
+        </p:nvSpPr>
+        <p:spPr>
+          <a:xfrm>
+            <a:off x="4538248" y="1694903"/>
+            <a:ext cx="370614" cy="369332"/>
+          </a:xfrm>
+          <a:prstGeom prst="rect">
+            <a:avLst/>
+          </a:prstGeom>
+          <a:noFill/>
+        </p:spPr>
+        <p:txBody>
+          <a:bodyPr wrap="none" rtlCol="0">
+            <a:spAutoFit/>
+          </a:bodyPr>
+          <a:lstStyle/>
+          <a:p>
+            <a:r>
+              <a:rPr lang="en-US" dirty="0"/>
+              <a:t>C:</a:t>
+            </a:r>
+          </a:p>
+        </p:txBody>
+      </p:sp>
+      <p:sp>
+        <p:nvSpPr>
+          <p:cNvPr id="8" name="TextBox 7">
+            <a:extLst>
+              <a:ext uri="{FF2B5EF4-FFF2-40B4-BE49-F238E27FC236}">
+                <a16:creationId xmlns:a16="http://schemas.microsoft.com/office/drawing/2014/main" id="{B662CC8D-5975-7651-342A-3E318E1C85A0}"/>
+              </a:ext>
+            </a:extLst>
+          </p:cNvPr>
+          <p:cNvSpPr txBox="1"/>
+          <p:nvPr/>
+        </p:nvSpPr>
+        <p:spPr>
+          <a:xfrm>
+            <a:off x="4431631" y="4255156"/>
+            <a:ext cx="914930" cy="369332"/>
+          </a:xfrm>
+          <a:prstGeom prst="rect">
+            <a:avLst/>
+          </a:prstGeom>
+          <a:noFill/>
+        </p:spPr>
+        <p:txBody>
+          <a:bodyPr wrap="none" rtlCol="0">
+            <a:spAutoFit/>
+          </a:bodyPr>
+          <a:lstStyle/>
+          <a:p>
+            <a:r>
+              <a:rPr lang="en-US" dirty="0"/>
+              <a:t>Python:</a:t>
+            </a:r>
+          </a:p>
+        </p:txBody>
+      </p:sp>
+      <p:sp>
+        <p:nvSpPr>
+          <p:cNvPr id="9" name="TextBox 8">
+            <a:extLst>
+              <a:ext uri="{FF2B5EF4-FFF2-40B4-BE49-F238E27FC236}">
+                <a16:creationId xmlns:a16="http://schemas.microsoft.com/office/drawing/2014/main" id="{BA59FB7A-FBEA-DED8-E55E-927A2ACA9D4A}"/>
+              </a:ext>
+            </a:extLst>
+          </p:cNvPr>
+          <p:cNvSpPr txBox="1"/>
+          <p:nvPr/>
+        </p:nvSpPr>
+        <p:spPr>
+          <a:xfrm>
+            <a:off x="8143736" y="1685474"/>
+            <a:ext cx="370614" cy="369332"/>
+          </a:xfrm>
+          <a:prstGeom prst="rect">
+            <a:avLst/>
+          </a:prstGeom>
+          <a:noFill/>
+        </p:spPr>
+        <p:txBody>
+          <a:bodyPr wrap="none" rtlCol="0">
+            <a:spAutoFit/>
+          </a:bodyPr>
+          <a:lstStyle/>
+          <a:p>
+            <a:r>
+              <a:rPr lang="en-US" dirty="0"/>
+              <a:t>C:</a:t>
+            </a:r>
+          </a:p>
+        </p:txBody>
+      </p:sp>
+      <p:sp>
+        <p:nvSpPr>
+          <p:cNvPr id="10" name="TextBox 9">
+            <a:extLst>
+              <a:ext uri="{FF2B5EF4-FFF2-40B4-BE49-F238E27FC236}">
+                <a16:creationId xmlns:a16="http://schemas.microsoft.com/office/drawing/2014/main" id="{55B28B47-C43B-1DB1-1136-2A1EA92546E5}"/>
+              </a:ext>
+            </a:extLst>
+          </p:cNvPr>
+          <p:cNvSpPr txBox="1"/>
+          <p:nvPr/>
+        </p:nvSpPr>
+        <p:spPr>
+          <a:xfrm>
+            <a:off x="838200" y="2469961"/>
+            <a:ext cx="3165396" cy="2246769"/>
+          </a:xfrm>
+          <a:prstGeom prst="rect">
+            <a:avLst/>
+          </a:prstGeom>
+          <a:noFill/>
+        </p:spPr>
+        <p:txBody>
+          <a:bodyPr wrap="square" rtlCol="0">
+            <a:spAutoFit/>
+          </a:bodyPr>
+          <a:lstStyle/>
+          <a:p>
+            <a:r>
+              <a:rPr lang="en-US" sz="2800" dirty="0"/>
+              <a:t>In Python, ‘</a:t>
+            </a:r>
+            <a:r>
+              <a:rPr lang="en-US" sz="2800" dirty="0" err="1"/>
+              <a:t>elif</a:t>
+            </a:r>
+            <a:r>
+              <a:rPr lang="en-US" sz="2800" dirty="0"/>
+              <a:t>’ is a real keyword in the language.  In C, ‘else if’ is just bad indentation.</a:t>
+            </a:r>
+          </a:p>
+        </p:txBody>
+      </p:sp>
+    </p:spTree>
+    <p:extLst>
+      <p:ext uri="{BB962C8B-B14F-4D97-AF65-F5344CB8AC3E}">
+        <p14:creationId xmlns:p14="http://schemas.microsoft.com/office/powerpoint/2010/main" val="2937111050"/>
+      </p:ext>
+    </p:extLst>
+  </p:cSld>
+  <p:clrMapOvr>
+    <a:masterClrMapping/>
+  </p:clrMapOvr>
+</p:sld>
+</file>
+
+<file path=ppt/slides/slide5.xml><?xml version="1.0" encoding="utf-8"?>
+<p:sld xmlns:a="http://schemas.openxmlformats.org/drawingml/2006/main" xmlns:r="http://schemas.openxmlformats.org/officeDocument/2006/relationships" xmlns:p="http://schemas.openxmlformats.org/presentationml/2006/main">
+  <p:cSld>
+    <p:spTree>
+      <p:nvGrpSpPr>
+        <p:cNvPr id="1" name=""/>
+        <p:cNvGrpSpPr/>
+        <p:nvPr/>
+      </p:nvGrpSpPr>
+      <p:grpSpPr>
+        <a:xfrm>
+          <a:off x="0" y="0"/>
+          <a:ext cx="0" cy="0"/>
+          <a:chOff x="0" y="0"/>
+          <a:chExt cx="0" cy="0"/>
+        </a:xfrm>
+      </p:grpSpPr>
+      <p:sp>
+        <p:nvSpPr>
+          <p:cNvPr id="2" name="Title 1">
+            <a:extLst>
+              <a:ext uri="{FF2B5EF4-FFF2-40B4-BE49-F238E27FC236}">
+                <a16:creationId xmlns:a16="http://schemas.microsoft.com/office/drawing/2014/main" id="{839FCA10-9DED-A10E-FA7B-1D3C9AF214D0}"/>
+              </a:ext>
+            </a:extLst>
+          </p:cNvPr>
+          <p:cNvSpPr>
+            <a:spLocks noGrp="1"/>
+          </p:cNvSpPr>
+          <p:nvPr>
+            <p:ph type="title"/>
+          </p:nvPr>
+        </p:nvSpPr>
+        <p:spPr/>
+        <p:txBody>
+          <a:bodyPr/>
+          <a:lstStyle/>
+          <a:p>
+            <a:r>
+              <a:rPr lang="en-US" dirty="0"/>
+              <a:t>Switch statement</a:t>
+            </a:r>
+          </a:p>
+        </p:txBody>
+      </p:sp>
+      <p:sp>
+        <p:nvSpPr>
+          <p:cNvPr id="7" name="Content Placeholder 6">
+            <a:extLst>
+              <a:ext uri="{FF2B5EF4-FFF2-40B4-BE49-F238E27FC236}">
+                <a16:creationId xmlns:a16="http://schemas.microsoft.com/office/drawing/2014/main" id="{FEF83554-1F4D-7E22-42B3-46D7B64D2160}"/>
+              </a:ext>
+            </a:extLst>
+          </p:cNvPr>
+          <p:cNvSpPr>
+            <a:spLocks noGrp="1"/>
+          </p:cNvSpPr>
+          <p:nvPr>
+            <p:ph idx="1"/>
+          </p:nvPr>
+        </p:nvSpPr>
+        <p:spPr>
+          <a:xfrm>
+            <a:off x="838199" y="1825625"/>
+            <a:ext cx="5868393" cy="4351338"/>
+          </a:xfrm>
+        </p:spPr>
+        <p:txBody>
+          <a:bodyPr>
+            <a:normAutofit/>
+          </a:bodyPr>
+          <a:lstStyle/>
+          <a:p>
+            <a:r>
+              <a:rPr lang="en-US" dirty="0"/>
+              <a:t>In exceedingly rare situations, we might use a “jump table” where a small integer was used to look up an address “where to go next”</a:t>
+            </a:r>
+          </a:p>
+          <a:p>
+            <a:r>
+              <a:rPr lang="en-US" dirty="0"/>
+              <a:t>This could save a few repeating “else if” evaluations when computers were exceedingly slow</a:t>
+            </a:r>
+          </a:p>
+          <a:p>
+            <a:r>
+              <a:rPr lang="en-US" dirty="0"/>
+              <a:t>Switch in C was more elegant then Computed GOTOs in FORTRAN</a:t>
+            </a:r>
+          </a:p>
+        </p:txBody>
+      </p:sp>
+      <p:sp>
+        <p:nvSpPr>
+          <p:cNvPr id="3" name="TextBox 2">
+            <a:extLst>
+              <a:ext uri="{FF2B5EF4-FFF2-40B4-BE49-F238E27FC236}">
+                <a16:creationId xmlns:a16="http://schemas.microsoft.com/office/drawing/2014/main" id="{BF01513D-0657-73D9-E075-90D92E1D3EEF}"/>
+              </a:ext>
+            </a:extLst>
+          </p:cNvPr>
+          <p:cNvSpPr txBox="1"/>
+          <p:nvPr/>
+        </p:nvSpPr>
+        <p:spPr>
+          <a:xfrm>
+            <a:off x="8623514" y="4303282"/>
+            <a:ext cx="1473480" cy="2031325"/>
+          </a:xfrm>
+          <a:prstGeom prst="rect">
+            <a:avLst/>
+          </a:prstGeom>
+          <a:noFill/>
+        </p:spPr>
+        <p:txBody>
+          <a:bodyPr wrap="none" rtlCol="0">
+            <a:spAutoFit/>
+          </a:bodyPr>
+          <a:lstStyle/>
+          <a:p>
+            <a:r>
+              <a:rPr lang="en-US" sz="1400" b="1" dirty="0">
+                <a:latin typeface="Courier New" panose="02070309020205020404" pitchFamily="49" charset="0"/>
+                <a:cs typeface="Courier New" panose="02070309020205020404" pitchFamily="49" charset="0"/>
+              </a:rPr>
+              <a:t>switch(</a:t>
+            </a:r>
+            <a:r>
+              <a:rPr lang="en-US" sz="1400" b="1" dirty="0" err="1">
+                <a:latin typeface="Courier New" panose="02070309020205020404" pitchFamily="49" charset="0"/>
+                <a:cs typeface="Courier New" panose="02070309020205020404" pitchFamily="49" charset="0"/>
+              </a:rPr>
+              <a:t>i</a:t>
+            </a:r>
+            <a:r>
+              <a:rPr lang="en-US" sz="1400" b="1" dirty="0">
+                <a:latin typeface="Courier New" panose="02070309020205020404" pitchFamily="49" charset="0"/>
+                <a:cs typeface="Courier New" panose="02070309020205020404" pitchFamily="49" charset="0"/>
+              </a:rPr>
+              <a:t>) {</a:t>
+            </a:r>
+          </a:p>
+          <a:p>
+            <a:r>
+              <a:rPr lang="en-US" sz="1400" b="1" dirty="0">
+                <a:latin typeface="Courier New" panose="02070309020205020404" pitchFamily="49" charset="0"/>
+                <a:cs typeface="Courier New" panose="02070309020205020404" pitchFamily="49" charset="0"/>
+              </a:rPr>
+              <a:t>    case 1:</a:t>
+            </a:r>
+          </a:p>
+          <a:p>
+            <a:r>
+              <a:rPr lang="en-US" sz="1400" b="1" dirty="0">
+                <a:latin typeface="Courier New" panose="02070309020205020404" pitchFamily="49" charset="0"/>
+                <a:cs typeface="Courier New" panose="02070309020205020404" pitchFamily="49" charset="0"/>
+              </a:rPr>
+              <a:t>    case 2:</a:t>
+            </a:r>
+          </a:p>
+          <a:p>
+            <a:r>
+              <a:rPr lang="en-US" sz="1400" b="1" dirty="0">
+                <a:latin typeface="Courier New" panose="02070309020205020404" pitchFamily="49" charset="0"/>
+                <a:cs typeface="Courier New" panose="02070309020205020404" pitchFamily="49" charset="0"/>
+              </a:rPr>
+              <a:t>        ...</a:t>
+            </a:r>
+          </a:p>
+          <a:p>
+            <a:r>
+              <a:rPr lang="en-US" sz="1400" b="1" dirty="0">
+                <a:latin typeface="Courier New" panose="02070309020205020404" pitchFamily="49" charset="0"/>
+                <a:cs typeface="Courier New" panose="02070309020205020404" pitchFamily="49" charset="0"/>
+              </a:rPr>
+              <a:t>    case 3:</a:t>
+            </a:r>
+          </a:p>
+          <a:p>
+            <a:r>
+              <a:rPr lang="en-US" sz="1400" b="1" dirty="0">
+                <a:latin typeface="Courier New" panose="02070309020205020404" pitchFamily="49" charset="0"/>
+                <a:cs typeface="Courier New" panose="02070309020205020404" pitchFamily="49" charset="0"/>
+              </a:rPr>
+              <a:t>        ...</a:t>
+            </a:r>
+          </a:p>
+          <a:p>
+            <a:r>
+              <a:rPr lang="en-US" sz="1400" b="1" dirty="0">
+                <a:latin typeface="Courier New" panose="02070309020205020404" pitchFamily="49" charset="0"/>
+                <a:cs typeface="Courier New" panose="02070309020205020404" pitchFamily="49" charset="0"/>
+              </a:rPr>
+              <a:t>    default:</a:t>
+            </a:r>
+          </a:p>
+          <a:p>
+            <a:r>
+              <a:rPr lang="en-US" sz="1400" b="1" dirty="0">
+                <a:latin typeface="Courier New" panose="02070309020205020404" pitchFamily="49" charset="0"/>
+                <a:cs typeface="Courier New" panose="02070309020205020404" pitchFamily="49" charset="0"/>
+              </a:rPr>
+              <a:t>        ...</a:t>
+            </a:r>
+          </a:p>
+          <a:p>
+            <a:r>
+              <a:rPr lang="en-US" sz="1400" b="1" dirty="0">
+                <a:latin typeface="Courier New" panose="02070309020205020404" pitchFamily="49" charset="0"/>
+                <a:cs typeface="Courier New" panose="02070309020205020404" pitchFamily="49" charset="0"/>
+              </a:rPr>
+              <a:t>}</a:t>
+            </a:r>
+          </a:p>
+        </p:txBody>
+      </p:sp>
+      <p:sp>
+        <p:nvSpPr>
+          <p:cNvPr id="4" name="TextBox 3">
+            <a:extLst>
+              <a:ext uri="{FF2B5EF4-FFF2-40B4-BE49-F238E27FC236}">
+                <a16:creationId xmlns:a16="http://schemas.microsoft.com/office/drawing/2014/main" id="{9AB18F06-4158-81D8-C1FE-A50E7DFC0A6D}"/>
+              </a:ext>
+            </a:extLst>
+          </p:cNvPr>
+          <p:cNvSpPr txBox="1"/>
+          <p:nvPr/>
+        </p:nvSpPr>
+        <p:spPr>
+          <a:xfrm>
+            <a:off x="8442157" y="1229682"/>
+            <a:ext cx="3191899" cy="2462213"/>
+          </a:xfrm>
+          <a:prstGeom prst="rect">
+            <a:avLst/>
+          </a:prstGeom>
+          <a:noFill/>
+        </p:spPr>
+        <p:txBody>
+          <a:bodyPr wrap="none" rtlCol="0">
+            <a:spAutoFit/>
+          </a:bodyPr>
+          <a:lstStyle/>
+          <a:p>
+            <a:r>
+              <a:rPr lang="en-US" sz="1400" b="1" dirty="0">
+                <a:latin typeface="Courier New" panose="02070309020205020404" pitchFamily="49" charset="0"/>
+                <a:cs typeface="Courier New" panose="02070309020205020404" pitchFamily="49" charset="0"/>
+              </a:rPr>
+              <a:t>      GOTO (100, 200, 300) I</a:t>
+            </a:r>
+          </a:p>
+          <a:p>
+            <a:r>
+              <a:rPr lang="en-US" sz="1400" b="1" dirty="0">
+                <a:latin typeface="Courier New" panose="02070309020205020404" pitchFamily="49" charset="0"/>
+                <a:cs typeface="Courier New" panose="02070309020205020404" pitchFamily="49" charset="0"/>
+              </a:rPr>
+              <a:t>      ... No match</a:t>
+            </a:r>
+          </a:p>
+          <a:p>
+            <a:r>
+              <a:rPr lang="en-US" sz="1400" b="1" dirty="0">
+                <a:latin typeface="Courier New" panose="02070309020205020404" pitchFamily="49" charset="0"/>
+                <a:cs typeface="Courier New" panose="02070309020205020404" pitchFamily="49" charset="0"/>
+              </a:rPr>
+              <a:t>      GOTO 900</a:t>
+            </a:r>
+          </a:p>
+          <a:p>
+            <a:r>
+              <a:rPr lang="en-US" sz="1400" b="1" dirty="0">
+                <a:latin typeface="Courier New" panose="02070309020205020404" pitchFamily="49" charset="0"/>
+                <a:cs typeface="Courier New" panose="02070309020205020404" pitchFamily="49" charset="0"/>
+              </a:rPr>
+              <a:t>  100 CONTINUE</a:t>
+            </a:r>
+          </a:p>
+          <a:p>
+            <a:r>
+              <a:rPr lang="en-US" sz="1400" b="1" dirty="0">
+                <a:latin typeface="Courier New" panose="02070309020205020404" pitchFamily="49" charset="0"/>
+                <a:cs typeface="Courier New" panose="02070309020205020404" pitchFamily="49" charset="0"/>
+              </a:rPr>
+              <a:t>  200 CONTINUE</a:t>
+            </a:r>
+          </a:p>
+          <a:p>
+            <a:r>
+              <a:rPr lang="en-US" sz="1400" b="1" dirty="0">
+                <a:latin typeface="Courier New" panose="02070309020205020404" pitchFamily="49" charset="0"/>
+                <a:cs typeface="Courier New" panose="02070309020205020404" pitchFamily="49" charset="0"/>
+              </a:rPr>
+              <a:t>      ...</a:t>
+            </a:r>
+          </a:p>
+          <a:p>
+            <a:r>
+              <a:rPr lang="en-US" sz="1400" b="1" dirty="0">
+                <a:latin typeface="Courier New" panose="02070309020205020404" pitchFamily="49" charset="0"/>
+                <a:cs typeface="Courier New" panose="02070309020205020404" pitchFamily="49" charset="0"/>
+              </a:rPr>
+              <a:t>      GOTO 900</a:t>
+            </a:r>
+          </a:p>
+          <a:p>
+            <a:r>
+              <a:rPr lang="en-US" sz="1400" b="1" dirty="0">
+                <a:latin typeface="Courier New" panose="02070309020205020404" pitchFamily="49" charset="0"/>
+                <a:cs typeface="Courier New" panose="02070309020205020404" pitchFamily="49" charset="0"/>
+              </a:rPr>
+              <a:t>  300 CONTINUE</a:t>
+            </a:r>
+          </a:p>
+          <a:p>
+            <a:r>
+              <a:rPr lang="en-US" sz="1400" b="1" dirty="0">
+                <a:latin typeface="Courier New" panose="02070309020205020404" pitchFamily="49" charset="0"/>
+                <a:cs typeface="Courier New" panose="02070309020205020404" pitchFamily="49" charset="0"/>
+              </a:rPr>
+              <a:t>      ...</a:t>
+            </a:r>
+          </a:p>
+          <a:p>
+            <a:r>
+              <a:rPr lang="en-US" sz="1400" b="1" dirty="0">
+                <a:latin typeface="Courier New" panose="02070309020205020404" pitchFamily="49" charset="0"/>
+                <a:cs typeface="Courier New" panose="02070309020205020404" pitchFamily="49" charset="0"/>
+              </a:rPr>
+              <a:t>      </a:t>
+            </a:r>
+          </a:p>
+          <a:p>
+            <a:r>
+              <a:rPr lang="en-US" sz="1400" b="1" dirty="0">
+                <a:latin typeface="Courier New" panose="02070309020205020404" pitchFamily="49" charset="0"/>
+                <a:cs typeface="Courier New" panose="02070309020205020404" pitchFamily="49" charset="0"/>
+              </a:rPr>
+              <a:t>  900 CONTINUE</a:t>
+            </a:r>
+          </a:p>
+        </p:txBody>
+      </p:sp>
+      <p:sp>
+        <p:nvSpPr>
+          <p:cNvPr id="5" name="TextBox 4">
+            <a:extLst>
+              <a:ext uri="{FF2B5EF4-FFF2-40B4-BE49-F238E27FC236}">
+                <a16:creationId xmlns:a16="http://schemas.microsoft.com/office/drawing/2014/main" id="{371E7D1A-9E93-57E4-9B91-D17A411DD830}"/>
+              </a:ext>
+            </a:extLst>
+          </p:cNvPr>
+          <p:cNvSpPr txBox="1"/>
+          <p:nvPr/>
+        </p:nvSpPr>
+        <p:spPr>
+          <a:xfrm>
+            <a:off x="7075559" y="1229682"/>
+            <a:ext cx="1432315" cy="369332"/>
+          </a:xfrm>
+          <a:prstGeom prst="rect">
+            <a:avLst/>
+          </a:prstGeom>
+          <a:noFill/>
+        </p:spPr>
+        <p:txBody>
+          <a:bodyPr wrap="none" rtlCol="0">
+            <a:spAutoFit/>
+          </a:bodyPr>
+          <a:lstStyle/>
+          <a:p>
+            <a:r>
+              <a:rPr lang="en-US" dirty="0"/>
+              <a:t>FORTRAN 66:</a:t>
+            </a:r>
+          </a:p>
+        </p:txBody>
+      </p:sp>
+      <p:sp>
+        <p:nvSpPr>
+          <p:cNvPr id="6" name="TextBox 5">
+            <a:extLst>
+              <a:ext uri="{FF2B5EF4-FFF2-40B4-BE49-F238E27FC236}">
+                <a16:creationId xmlns:a16="http://schemas.microsoft.com/office/drawing/2014/main" id="{A6A90801-592B-0257-B882-F4742F4885AE}"/>
+              </a:ext>
+            </a:extLst>
+          </p:cNvPr>
+          <p:cNvSpPr txBox="1"/>
+          <p:nvPr/>
+        </p:nvSpPr>
+        <p:spPr>
+          <a:xfrm>
+            <a:off x="8006557" y="4303282"/>
+            <a:ext cx="370614" cy="369332"/>
+          </a:xfrm>
+          <a:prstGeom prst="rect">
+            <a:avLst/>
+          </a:prstGeom>
+          <a:noFill/>
+        </p:spPr>
+        <p:txBody>
+          <a:bodyPr wrap="none" rtlCol="0">
+            <a:spAutoFit/>
+          </a:bodyPr>
+          <a:lstStyle/>
+          <a:p>
+            <a:r>
+              <a:rPr lang="en-US" dirty="0"/>
+              <a:t>C:</a:t>
+            </a:r>
+          </a:p>
+        </p:txBody>
+      </p:sp>
+    </p:spTree>
+    <p:extLst>
+      <p:ext uri="{BB962C8B-B14F-4D97-AF65-F5344CB8AC3E}">
+        <p14:creationId xmlns:p14="http://schemas.microsoft.com/office/powerpoint/2010/main" val="1583128244"/>
+      </p:ext>
+    </p:extLst>
+  </p:cSld>
+  <p:clrMapOvr>
+    <a:masterClrMapping/>
+  </p:clrMapOvr>
+</p:sld>
+</file>
+
+<file path=ppt/slides/slide6.xml><?xml version="1.0" encoding="utf-8"?>
+<p:sld xmlns:a="http://schemas.openxmlformats.org/drawingml/2006/main" xmlns:r="http://schemas.openxmlformats.org/officeDocument/2006/relationships" xmlns:p="http://schemas.openxmlformats.org/presentationml/2006/main">
+  <p:cSld>
+    <p:spTree>
+      <p:nvGrpSpPr>
+        <p:cNvPr id="1" name=""/>
+        <p:cNvGrpSpPr/>
+        <p:nvPr/>
+      </p:nvGrpSpPr>
+      <p:grpSpPr>
+        <a:xfrm>
+          <a:off x="0" y="0"/>
+          <a:ext cx="0" cy="0"/>
+          <a:chOff x="0" y="0"/>
+          <a:chExt cx="0" cy="0"/>
+        </a:xfrm>
+      </p:grpSpPr>
+      <p:sp>
+        <p:nvSpPr>
+          <p:cNvPr id="2" name="Title 1">
+            <a:extLst>
+              <a:ext uri="{FF2B5EF4-FFF2-40B4-BE49-F238E27FC236}">
+                <a16:creationId xmlns:a16="http://schemas.microsoft.com/office/drawing/2014/main" id="{8C9A05D2-24A9-41F0-6889-10064F4B1EE9}"/>
+              </a:ext>
+            </a:extLst>
+          </p:cNvPr>
+          <p:cNvSpPr>
+            <a:spLocks noGrp="1"/>
+          </p:cNvSpPr>
+          <p:nvPr>
+            <p:ph type="title"/>
+          </p:nvPr>
+        </p:nvSpPr>
+        <p:spPr/>
+        <p:txBody>
+          <a:bodyPr/>
+          <a:lstStyle/>
+          <a:p>
+            <a:r>
+              <a:rPr lang="en-US" dirty="0"/>
+              <a:t>Using the comma</a:t>
+            </a:r>
+          </a:p>
+        </p:txBody>
+      </p:sp>
+      <p:sp>
+        <p:nvSpPr>
+          <p:cNvPr id="3" name="Content Placeholder 2">
+            <a:extLst>
+              <a:ext uri="{FF2B5EF4-FFF2-40B4-BE49-F238E27FC236}">
+                <a16:creationId xmlns:a16="http://schemas.microsoft.com/office/drawing/2014/main" id="{24B10CFC-F0CB-2F41-FC46-B0D776770A07}"/>
+              </a:ext>
+            </a:extLst>
+          </p:cNvPr>
+          <p:cNvSpPr>
+            <a:spLocks noGrp="1"/>
+          </p:cNvSpPr>
+          <p:nvPr>
+            <p:ph idx="1"/>
+          </p:nvPr>
+        </p:nvSpPr>
+        <p:spPr>
+          <a:xfrm>
+            <a:off x="838200" y="1825625"/>
+            <a:ext cx="10712116" cy="1325563"/>
+          </a:xfrm>
+        </p:spPr>
+        <p:txBody>
+          <a:bodyPr/>
+          <a:lstStyle/>
+          <a:p>
+            <a:r>
+              <a:rPr lang="en-US" dirty="0"/>
+              <a:t>In C, the ”,” is like “semi-colon light”</a:t>
+            </a:r>
+          </a:p>
+          <a:p>
+            <a:r>
+              <a:rPr lang="en-US" dirty="0"/>
+              <a:t>We use it when we are already using a semicolon for something</a:t>
+            </a:r>
+          </a:p>
+          <a:p>
+            <a:endParaRPr lang="en-US" dirty="0"/>
+          </a:p>
+        </p:txBody>
+      </p:sp>
+      <p:sp>
+        <p:nvSpPr>
+          <p:cNvPr id="8" name="TextBox 7">
+            <a:extLst>
+              <a:ext uri="{FF2B5EF4-FFF2-40B4-BE49-F238E27FC236}">
+                <a16:creationId xmlns:a16="http://schemas.microsoft.com/office/drawing/2014/main" id="{2729D773-3920-B361-DB86-788413B664C0}"/>
+              </a:ext>
+            </a:extLst>
+          </p:cNvPr>
+          <p:cNvSpPr txBox="1"/>
+          <p:nvPr/>
+        </p:nvSpPr>
+        <p:spPr>
+          <a:xfrm>
+            <a:off x="2387292" y="3506758"/>
+            <a:ext cx="7417415" cy="400110"/>
+          </a:xfrm>
+          <a:prstGeom prst="rect">
+            <a:avLst/>
+          </a:prstGeom>
+          <a:noFill/>
+        </p:spPr>
+        <p:txBody>
+          <a:bodyPr wrap="none" rtlCol="0">
+            <a:spAutoFit/>
+          </a:bodyPr>
+          <a:lstStyle/>
+          <a:p>
+            <a:r>
+              <a:rPr lang="en-US" sz="2000" b="1" dirty="0">
+                <a:latin typeface="Courier New" panose="02070309020205020404" pitchFamily="49" charset="0"/>
+                <a:cs typeface="Courier New" panose="02070309020205020404" pitchFamily="49" charset="0"/>
+              </a:rPr>
+              <a:t>for (</a:t>
+            </a:r>
+            <a:r>
+              <a:rPr lang="en-US" sz="2000" b="1" dirty="0" err="1">
+                <a:latin typeface="Courier New" panose="02070309020205020404" pitchFamily="49" charset="0"/>
+                <a:cs typeface="Courier New" panose="02070309020205020404" pitchFamily="49" charset="0"/>
+              </a:rPr>
+              <a:t>i</a:t>
+            </a:r>
+            <a:r>
+              <a:rPr lang="en-US" sz="2000" b="1" dirty="0">
+                <a:latin typeface="Courier New" panose="02070309020205020404" pitchFamily="49" charset="0"/>
+                <a:cs typeface="Courier New" panose="02070309020205020404" pitchFamily="49" charset="0"/>
+              </a:rPr>
+              <a:t> = 0, j = </a:t>
+            </a:r>
+            <a:r>
+              <a:rPr lang="en-US" sz="2000" b="1" dirty="0" err="1">
+                <a:latin typeface="Courier New" panose="02070309020205020404" pitchFamily="49" charset="0"/>
+                <a:cs typeface="Courier New" panose="02070309020205020404" pitchFamily="49" charset="0"/>
+              </a:rPr>
+              <a:t>strlen</a:t>
+            </a:r>
+            <a:r>
+              <a:rPr lang="en-US" sz="2000" b="1" dirty="0">
+                <a:latin typeface="Courier New" panose="02070309020205020404" pitchFamily="49" charset="0"/>
+                <a:cs typeface="Courier New" panose="02070309020205020404" pitchFamily="49" charset="0"/>
+              </a:rPr>
+              <a:t>(s)-1</a:t>
+            </a:r>
+            <a:r>
+              <a:rPr lang="en-US" sz="2000" b="1" dirty="0">
+                <a:solidFill>
+                  <a:srgbClr val="0070C0"/>
+                </a:solidFill>
+                <a:latin typeface="Courier New" panose="02070309020205020404" pitchFamily="49" charset="0"/>
+                <a:cs typeface="Courier New" panose="02070309020205020404" pitchFamily="49" charset="0"/>
+              </a:rPr>
+              <a:t>;</a:t>
+            </a:r>
+            <a:r>
+              <a:rPr lang="en-US" sz="2000" b="1" dirty="0">
+                <a:latin typeface="Courier New" panose="02070309020205020404" pitchFamily="49" charset="0"/>
+                <a:cs typeface="Courier New" panose="02070309020205020404" pitchFamily="49" charset="0"/>
+              </a:rPr>
+              <a:t> </a:t>
+            </a:r>
+            <a:r>
+              <a:rPr lang="en-US" sz="2000" b="1" dirty="0" err="1">
+                <a:latin typeface="Courier New" panose="02070309020205020404" pitchFamily="49" charset="0"/>
+                <a:cs typeface="Courier New" panose="02070309020205020404" pitchFamily="49" charset="0"/>
+              </a:rPr>
+              <a:t>i</a:t>
+            </a:r>
+            <a:r>
+              <a:rPr lang="en-US" sz="2000" b="1" dirty="0">
+                <a:latin typeface="Courier New" panose="02070309020205020404" pitchFamily="49" charset="0"/>
+                <a:cs typeface="Courier New" panose="02070309020205020404" pitchFamily="49" charset="0"/>
+              </a:rPr>
+              <a:t> &lt; j</a:t>
+            </a:r>
+            <a:r>
+              <a:rPr lang="en-US" sz="2000" b="1" dirty="0">
+                <a:solidFill>
+                  <a:srgbClr val="0070C0"/>
+                </a:solidFill>
+                <a:latin typeface="Courier New" panose="02070309020205020404" pitchFamily="49" charset="0"/>
+                <a:cs typeface="Courier New" panose="02070309020205020404" pitchFamily="49" charset="0"/>
+              </a:rPr>
+              <a:t>;</a:t>
+            </a:r>
+            <a:r>
+              <a:rPr lang="en-US" sz="2000" b="1" dirty="0">
+                <a:latin typeface="Courier New" panose="02070309020205020404" pitchFamily="49" charset="0"/>
+                <a:cs typeface="Courier New" panose="02070309020205020404" pitchFamily="49" charset="0"/>
+              </a:rPr>
+              <a:t> </a:t>
+            </a:r>
+            <a:r>
+              <a:rPr lang="en-US" sz="2000" b="1" dirty="0" err="1">
+                <a:latin typeface="Courier New" panose="02070309020205020404" pitchFamily="49" charset="0"/>
+                <a:cs typeface="Courier New" panose="02070309020205020404" pitchFamily="49" charset="0"/>
+              </a:rPr>
+              <a:t>i</a:t>
+            </a:r>
+            <a:r>
+              <a:rPr lang="en-US" sz="2000" b="1" dirty="0">
+                <a:latin typeface="Courier New" panose="02070309020205020404" pitchFamily="49" charset="0"/>
+                <a:cs typeface="Courier New" panose="02070309020205020404" pitchFamily="49" charset="0"/>
+              </a:rPr>
+              <a:t>++, j--) {</a:t>
+            </a:r>
+          </a:p>
+        </p:txBody>
+      </p:sp>
+      <p:sp>
+        <p:nvSpPr>
+          <p:cNvPr id="10" name="TextBox 9">
+            <a:extLst>
+              <a:ext uri="{FF2B5EF4-FFF2-40B4-BE49-F238E27FC236}">
+                <a16:creationId xmlns:a16="http://schemas.microsoft.com/office/drawing/2014/main" id="{38EF12A3-B607-0958-7D2F-B74314E5884F}"/>
+              </a:ext>
+            </a:extLst>
+          </p:cNvPr>
+          <p:cNvSpPr txBox="1"/>
+          <p:nvPr/>
+        </p:nvSpPr>
+        <p:spPr>
+          <a:xfrm>
+            <a:off x="1537060" y="4928189"/>
+            <a:ext cx="2810350" cy="830997"/>
+          </a:xfrm>
+          <a:prstGeom prst="rect">
+            <a:avLst/>
+          </a:prstGeom>
+          <a:noFill/>
+        </p:spPr>
+        <p:txBody>
+          <a:bodyPr wrap="square" rtlCol="0">
+            <a:spAutoFit/>
+          </a:bodyPr>
+          <a:lstStyle/>
+          <a:p>
+            <a:r>
+              <a:rPr lang="en-US" sz="2400" dirty="0"/>
+              <a:t>Before the loop starts, do two things</a:t>
+            </a:r>
+          </a:p>
+        </p:txBody>
+      </p:sp>
+      <p:sp>
+        <p:nvSpPr>
+          <p:cNvPr id="11" name="TextBox 10">
+            <a:extLst>
+              <a:ext uri="{FF2B5EF4-FFF2-40B4-BE49-F238E27FC236}">
+                <a16:creationId xmlns:a16="http://schemas.microsoft.com/office/drawing/2014/main" id="{3B8CEDAA-B3A6-74C9-E4F8-8C4ED0A6761C}"/>
+              </a:ext>
+            </a:extLst>
+          </p:cNvPr>
+          <p:cNvSpPr txBox="1"/>
+          <p:nvPr/>
+        </p:nvSpPr>
+        <p:spPr>
+          <a:xfrm>
+            <a:off x="8739966" y="4915409"/>
+            <a:ext cx="2810350" cy="830997"/>
+          </a:xfrm>
+          <a:prstGeom prst="rect">
+            <a:avLst/>
+          </a:prstGeom>
+          <a:noFill/>
+        </p:spPr>
+        <p:txBody>
+          <a:bodyPr wrap="square" rtlCol="0">
+            <a:spAutoFit/>
+          </a:bodyPr>
+          <a:lstStyle/>
+          <a:p>
+            <a:r>
+              <a:rPr lang="en-US" sz="2400" dirty="0"/>
+              <a:t>At the bottom of the loop, do two things</a:t>
+            </a:r>
+          </a:p>
+        </p:txBody>
+      </p:sp>
+      <p:sp>
+        <p:nvSpPr>
+          <p:cNvPr id="12" name="TextBox 11">
+            <a:extLst>
+              <a:ext uri="{FF2B5EF4-FFF2-40B4-BE49-F238E27FC236}">
+                <a16:creationId xmlns:a16="http://schemas.microsoft.com/office/drawing/2014/main" id="{A234A19C-076E-EB6D-69AB-85713159ED3A}"/>
+              </a:ext>
+            </a:extLst>
+          </p:cNvPr>
+          <p:cNvSpPr txBox="1"/>
+          <p:nvPr/>
+        </p:nvSpPr>
+        <p:spPr>
+          <a:xfrm>
+            <a:off x="5640806" y="4915410"/>
+            <a:ext cx="2518610" cy="830997"/>
+          </a:xfrm>
+          <a:prstGeom prst="rect">
+            <a:avLst/>
+          </a:prstGeom>
+          <a:noFill/>
+        </p:spPr>
+        <p:txBody>
+          <a:bodyPr wrap="square" rtlCol="0">
+            <a:spAutoFit/>
+          </a:bodyPr>
+          <a:lstStyle/>
+          <a:p>
+            <a:r>
+              <a:rPr lang="en-US" sz="2400" dirty="0"/>
+              <a:t>Termination condition</a:t>
+            </a:r>
+          </a:p>
+        </p:txBody>
+      </p:sp>
+      <p:cxnSp>
+        <p:nvCxnSpPr>
+          <p:cNvPr id="14" name="Straight Arrow Connector 13">
+            <a:extLst>
+              <a:ext uri="{FF2B5EF4-FFF2-40B4-BE49-F238E27FC236}">
+                <a16:creationId xmlns:a16="http://schemas.microsoft.com/office/drawing/2014/main" id="{28A91463-8CE6-C64E-36D3-BC68FBB46513}"/>
+              </a:ext>
+            </a:extLst>
+          </p:cNvPr>
+          <p:cNvCxnSpPr>
+            <a:stCxn id="10" idx="0"/>
+          </p:cNvCxnSpPr>
+          <p:nvPr/>
+        </p:nvCxnSpPr>
+        <p:spPr>
+          <a:xfrm flipV="1">
+            <a:off x="2942235" y="4002030"/>
+            <a:ext cx="891828" cy="926159"/>
+          </a:xfrm>
+          <a:prstGeom prst="straightConnector1">
+            <a:avLst/>
+          </a:prstGeom>
+          <a:ln w="57150">
+            <a:tailEnd type="triangle"/>
+          </a:ln>
+        </p:spPr>
+        <p:style>
+          <a:lnRef idx="1">
+            <a:schemeClr val="accent1"/>
+          </a:lnRef>
+          <a:fillRef idx="0">
+            <a:schemeClr val="accent1"/>
+          </a:fillRef>
+          <a:effectRef idx="0">
+            <a:schemeClr val="accent1"/>
+          </a:effectRef>
+          <a:fontRef idx="minor">
+            <a:schemeClr val="tx1"/>
+          </a:fontRef>
+        </p:style>
+      </p:cxnSp>
+      <p:cxnSp>
+        <p:nvCxnSpPr>
+          <p:cNvPr id="15" name="Straight Arrow Connector 14">
+            <a:extLst>
+              <a:ext uri="{FF2B5EF4-FFF2-40B4-BE49-F238E27FC236}">
+                <a16:creationId xmlns:a16="http://schemas.microsoft.com/office/drawing/2014/main" id="{80287E1A-B70E-DAEB-90F4-D818C01E0DFF}"/>
+              </a:ext>
+            </a:extLst>
+          </p:cNvPr>
+          <p:cNvCxnSpPr>
+            <a:cxnSpLocks/>
+            <a:stCxn id="12" idx="0"/>
+          </p:cNvCxnSpPr>
+          <p:nvPr/>
+        </p:nvCxnSpPr>
+        <p:spPr>
+          <a:xfrm flipV="1">
+            <a:off x="6900111" y="4002030"/>
+            <a:ext cx="399047" cy="913380"/>
+          </a:xfrm>
+          <a:prstGeom prst="straightConnector1">
+            <a:avLst/>
+          </a:prstGeom>
+          <a:ln w="57150">
+            <a:tailEnd type="triangle"/>
+          </a:ln>
+        </p:spPr>
+        <p:style>
+          <a:lnRef idx="1">
+            <a:schemeClr val="accent1"/>
+          </a:lnRef>
+          <a:fillRef idx="0">
+            <a:schemeClr val="accent1"/>
+          </a:fillRef>
+          <a:effectRef idx="0">
+            <a:schemeClr val="accent1"/>
+          </a:effectRef>
+          <a:fontRef idx="minor">
+            <a:schemeClr val="tx1"/>
+          </a:fontRef>
+        </p:style>
+      </p:cxnSp>
+      <p:cxnSp>
+        <p:nvCxnSpPr>
+          <p:cNvPr id="18" name="Straight Arrow Connector 17">
+            <a:extLst>
+              <a:ext uri="{FF2B5EF4-FFF2-40B4-BE49-F238E27FC236}">
+                <a16:creationId xmlns:a16="http://schemas.microsoft.com/office/drawing/2014/main" id="{AB5DE4C9-D6CA-1420-0991-AB475EB2A3B5}"/>
+              </a:ext>
+            </a:extLst>
+          </p:cNvPr>
+          <p:cNvCxnSpPr>
+            <a:cxnSpLocks/>
+            <a:stCxn id="11" idx="0"/>
+          </p:cNvCxnSpPr>
+          <p:nvPr/>
+        </p:nvCxnSpPr>
+        <p:spPr>
+          <a:xfrm flipH="1" flipV="1">
+            <a:off x="8558463" y="4064568"/>
+            <a:ext cx="1586678" cy="850841"/>
+          </a:xfrm>
+          <a:prstGeom prst="straightConnector1">
+            <a:avLst/>
+          </a:prstGeom>
+          <a:ln w="57150">
+            <a:tailEnd type="triangle"/>
+          </a:ln>
+        </p:spPr>
+        <p:style>
+          <a:lnRef idx="1">
+            <a:schemeClr val="accent1"/>
+          </a:lnRef>
+          <a:fillRef idx="0">
+            <a:schemeClr val="accent1"/>
+          </a:fillRef>
+          <a:effectRef idx="0">
+            <a:schemeClr val="accent1"/>
+          </a:effectRef>
+          <a:fontRef idx="minor">
+            <a:schemeClr val="tx1"/>
+          </a:fontRef>
+        </p:style>
+      </p:cxnSp>
+    </p:spTree>
+    <p:extLst>
+      <p:ext uri="{BB962C8B-B14F-4D97-AF65-F5344CB8AC3E}">
+        <p14:creationId xmlns:p14="http://schemas.microsoft.com/office/powerpoint/2010/main" val="1658844848"/>
+      </p:ext>
+    </p:extLst>
+  </p:cSld>
+  <p:clrMapOvr>
+    <a:masterClrMapping/>
+  </p:clrMapOvr>
+</p:sld>
+</file>
+
+<file path=ppt/slides/slide7.xml><?xml version="1.0" encoding="utf-8"?>
+<p:sld xmlns:a="http://schemas.openxmlformats.org/drawingml/2006/main" xmlns:r="http://schemas.openxmlformats.org/officeDocument/2006/relationships" xmlns:p="http://schemas.openxmlformats.org/presentationml/2006/main">
+  <p:cSld>
+    <p:spTree>
+      <p:nvGrpSpPr>
+        <p:cNvPr id="1" name=""/>
+        <p:cNvGrpSpPr/>
+        <p:nvPr/>
+      </p:nvGrpSpPr>
+      <p:grpSpPr>
+        <a:xfrm>
+          <a:off x="0" y="0"/>
+          <a:ext cx="0" cy="0"/>
+          <a:chOff x="0" y="0"/>
+          <a:chExt cx="0" cy="0"/>
+        </a:xfrm>
+      </p:grpSpPr>
+      <p:sp>
+        <p:nvSpPr>
+          <p:cNvPr id="2" name="Title 1">
+            <a:extLst>
+              <a:ext uri="{FF2B5EF4-FFF2-40B4-BE49-F238E27FC236}">
+                <a16:creationId xmlns:a16="http://schemas.microsoft.com/office/drawing/2014/main" id="{8C9A05D2-24A9-41F0-6889-10064F4B1EE9}"/>
+              </a:ext>
+            </a:extLst>
+          </p:cNvPr>
+          <p:cNvSpPr>
+            <a:spLocks noGrp="1"/>
+          </p:cNvSpPr>
+          <p:nvPr>
+            <p:ph type="title"/>
+          </p:nvPr>
+        </p:nvSpPr>
+        <p:spPr/>
+        <p:txBody>
+          <a:bodyPr/>
+          <a:lstStyle/>
+          <a:p>
+            <a:r>
+              <a:rPr lang="en-US" dirty="0"/>
+              <a:t>Sacrificing readability for brevity</a:t>
+            </a:r>
+          </a:p>
+        </p:txBody>
+      </p:sp>
+      <p:sp>
+        <p:nvSpPr>
+          <p:cNvPr id="3" name="Content Placeholder 2">
+            <a:extLst>
+              <a:ext uri="{FF2B5EF4-FFF2-40B4-BE49-F238E27FC236}">
+                <a16:creationId xmlns:a16="http://schemas.microsoft.com/office/drawing/2014/main" id="{24B10CFC-F0CB-2F41-FC46-B0D776770A07}"/>
+              </a:ext>
+            </a:extLst>
+          </p:cNvPr>
+          <p:cNvSpPr>
+            <a:spLocks noGrp="1"/>
+          </p:cNvSpPr>
+          <p:nvPr>
+            <p:ph idx="1"/>
+          </p:nvPr>
+        </p:nvSpPr>
+        <p:spPr>
+          <a:xfrm>
+            <a:off x="838200" y="1825625"/>
+            <a:ext cx="10712116" cy="1325563"/>
+          </a:xfrm>
+        </p:spPr>
+        <p:txBody>
+          <a:bodyPr/>
+          <a:lstStyle/>
+          <a:p>
+            <a:r>
+              <a:rPr lang="en-US" dirty="0"/>
+              <a:t>Appeal to assembly language hand-tuners </a:t>
+            </a:r>
+          </a:p>
+          <a:p>
+            <a:r>
+              <a:rPr lang="en-US" dirty="0"/>
+              <a:t>We did not trust the compiler to optimize / generate fast code</a:t>
+            </a:r>
+          </a:p>
+          <a:p>
+            <a:endParaRPr lang="en-US" dirty="0"/>
+          </a:p>
+        </p:txBody>
+      </p:sp>
+      <p:sp>
+        <p:nvSpPr>
+          <p:cNvPr id="8" name="TextBox 7">
+            <a:extLst>
+              <a:ext uri="{FF2B5EF4-FFF2-40B4-BE49-F238E27FC236}">
+                <a16:creationId xmlns:a16="http://schemas.microsoft.com/office/drawing/2014/main" id="{2729D773-3920-B361-DB86-788413B664C0}"/>
+              </a:ext>
+            </a:extLst>
+          </p:cNvPr>
+          <p:cNvSpPr txBox="1"/>
+          <p:nvPr/>
+        </p:nvSpPr>
+        <p:spPr>
+          <a:xfrm>
+            <a:off x="1781949" y="4954797"/>
+            <a:ext cx="9571851" cy="400110"/>
+          </a:xfrm>
+          <a:prstGeom prst="rect">
+            <a:avLst/>
+          </a:prstGeom>
+          <a:noFill/>
+        </p:spPr>
+        <p:txBody>
+          <a:bodyPr wrap="none" rtlCol="0">
+            <a:spAutoFit/>
+          </a:bodyPr>
+          <a:lstStyle/>
+          <a:p>
+            <a:r>
+              <a:rPr lang="en-US" sz="2000" b="1" dirty="0">
+                <a:latin typeface="Courier New" panose="02070309020205020404" pitchFamily="49" charset="0"/>
+                <a:cs typeface="Courier New" panose="02070309020205020404" pitchFamily="49" charset="0"/>
+              </a:rPr>
+              <a:t>while ( (c = </a:t>
+            </a:r>
+            <a:r>
+              <a:rPr lang="en-US" sz="2000" b="1" dirty="0" err="1">
+                <a:latin typeface="Courier New" panose="02070309020205020404" pitchFamily="49" charset="0"/>
+                <a:cs typeface="Courier New" panose="02070309020205020404" pitchFamily="49" charset="0"/>
+              </a:rPr>
+              <a:t>getchar</a:t>
+            </a:r>
+            <a:r>
+              <a:rPr lang="en-US" sz="2000" b="1" dirty="0">
+                <a:latin typeface="Courier New" panose="02070309020205020404" pitchFamily="49" charset="0"/>
+                <a:cs typeface="Courier New" panose="02070309020205020404" pitchFamily="49" charset="0"/>
+              </a:rPr>
+              <a:t>()) == ' ' || c == '\n' || c == '\t') ;</a:t>
+            </a:r>
+          </a:p>
+        </p:txBody>
+      </p:sp>
+      <p:sp>
+        <p:nvSpPr>
+          <p:cNvPr id="12" name="TextBox 11">
+            <a:extLst>
+              <a:ext uri="{FF2B5EF4-FFF2-40B4-BE49-F238E27FC236}">
+                <a16:creationId xmlns:a16="http://schemas.microsoft.com/office/drawing/2014/main" id="{A234A19C-076E-EB6D-69AB-85713159ED3A}"/>
+              </a:ext>
+            </a:extLst>
+          </p:cNvPr>
+          <p:cNvSpPr txBox="1"/>
+          <p:nvPr/>
+        </p:nvSpPr>
+        <p:spPr>
+          <a:xfrm>
+            <a:off x="3559339" y="4209263"/>
+            <a:ext cx="3066049" cy="461665"/>
+          </a:xfrm>
+          <a:prstGeom prst="rect">
+            <a:avLst/>
+          </a:prstGeom>
+          <a:noFill/>
+        </p:spPr>
+        <p:txBody>
+          <a:bodyPr wrap="square" rtlCol="0">
+            <a:spAutoFit/>
+          </a:bodyPr>
+          <a:lstStyle/>
+          <a:p>
+            <a:r>
+              <a:rPr lang="en-US" sz="2400" dirty="0">
+                <a:solidFill>
+                  <a:srgbClr val="0070C0"/>
+                </a:solidFill>
+              </a:rPr>
+              <a:t>(1) Read a character</a:t>
+            </a:r>
+          </a:p>
+        </p:txBody>
+      </p:sp>
+      <p:sp>
+        <p:nvSpPr>
+          <p:cNvPr id="21" name="Left Brace 20">
+            <a:extLst>
+              <a:ext uri="{FF2B5EF4-FFF2-40B4-BE49-F238E27FC236}">
+                <a16:creationId xmlns:a16="http://schemas.microsoft.com/office/drawing/2014/main" id="{5B2B1AD4-8B6B-FFA5-A9A3-B881C7FADE76}"/>
+              </a:ext>
+            </a:extLst>
+          </p:cNvPr>
+          <p:cNvSpPr/>
+          <p:nvPr/>
+        </p:nvSpPr>
+        <p:spPr>
+          <a:xfrm rot="5400000">
+            <a:off x="4322814" y="4147437"/>
+            <a:ext cx="400111" cy="1381626"/>
+          </a:xfrm>
+          <a:prstGeom prst="leftBrace">
+            <a:avLst>
+              <a:gd name="adj1" fmla="val 24370"/>
+              <a:gd name="adj2" fmla="val 50000"/>
+            </a:avLst>
+          </a:prstGeom>
+          <a:ln w="28575">
+            <a:solidFill>
+              <a:schemeClr val="accent1"/>
+            </a:solidFill>
+          </a:ln>
+        </p:spPr>
+        <p:style>
+          <a:lnRef idx="1">
+            <a:schemeClr val="accent1"/>
+          </a:lnRef>
+          <a:fillRef idx="0">
+            <a:schemeClr val="accent1"/>
+          </a:fillRef>
+          <a:effectRef idx="0">
+            <a:schemeClr val="accent1"/>
+          </a:effectRef>
+          <a:fontRef idx="minor">
+            <a:schemeClr val="tx1"/>
+          </a:fontRef>
+        </p:style>
+        <p:txBody>
+          <a:bodyPr rtlCol="0" anchor="ctr"/>
+          <a:lstStyle/>
+          <a:p>
+            <a:pPr algn="ctr"/>
+            <a:endParaRPr lang="en-US" dirty="0"/>
+          </a:p>
+        </p:txBody>
+      </p:sp>
+      <p:sp>
+        <p:nvSpPr>
+          <p:cNvPr id="22" name="Left Brace 21">
+            <a:extLst>
+              <a:ext uri="{FF2B5EF4-FFF2-40B4-BE49-F238E27FC236}">
+                <a16:creationId xmlns:a16="http://schemas.microsoft.com/office/drawing/2014/main" id="{F29E0D2C-C9CE-778B-B558-4EA530BEEBF8}"/>
+              </a:ext>
+            </a:extLst>
+          </p:cNvPr>
+          <p:cNvSpPr/>
+          <p:nvPr/>
+        </p:nvSpPr>
+        <p:spPr>
+          <a:xfrm rot="16200000" flipV="1">
+            <a:off x="4030925" y="4489834"/>
+            <a:ext cx="468533" cy="2121572"/>
+          </a:xfrm>
+          <a:prstGeom prst="leftBrace">
+            <a:avLst>
+              <a:gd name="adj1" fmla="val 25453"/>
+              <a:gd name="adj2" fmla="val 50000"/>
+            </a:avLst>
+          </a:prstGeom>
+          <a:ln w="28575">
+            <a:solidFill>
+              <a:schemeClr val="accent1"/>
+            </a:solidFill>
+          </a:ln>
+        </p:spPr>
+        <p:style>
+          <a:lnRef idx="1">
+            <a:schemeClr val="accent1"/>
+          </a:lnRef>
+          <a:fillRef idx="0">
+            <a:schemeClr val="accent1"/>
+          </a:fillRef>
+          <a:effectRef idx="0">
+            <a:schemeClr val="accent1"/>
+          </a:effectRef>
+          <a:fontRef idx="minor">
+            <a:schemeClr val="tx1"/>
+          </a:fontRef>
+        </p:style>
+        <p:txBody>
+          <a:bodyPr rtlCol="0" anchor="ctr"/>
+          <a:lstStyle/>
+          <a:p>
+            <a:pPr algn="ctr"/>
+            <a:endParaRPr lang="en-US" dirty="0"/>
+          </a:p>
+        </p:txBody>
+      </p:sp>
+      <p:sp>
+        <p:nvSpPr>
+          <p:cNvPr id="23" name="Left Brace 22">
+            <a:extLst>
+              <a:ext uri="{FF2B5EF4-FFF2-40B4-BE49-F238E27FC236}">
+                <a16:creationId xmlns:a16="http://schemas.microsoft.com/office/drawing/2014/main" id="{A358D212-A025-A956-9A86-DC1AF0D3D24D}"/>
+              </a:ext>
+            </a:extLst>
+          </p:cNvPr>
+          <p:cNvSpPr/>
+          <p:nvPr/>
+        </p:nvSpPr>
+        <p:spPr>
+          <a:xfrm rot="5400000">
+            <a:off x="4534365" y="2432371"/>
+            <a:ext cx="568558" cy="3228478"/>
+          </a:xfrm>
+          <a:prstGeom prst="leftBrace">
+            <a:avLst>
+              <a:gd name="adj1" fmla="val 22441"/>
+              <a:gd name="adj2" fmla="val 50000"/>
+            </a:avLst>
+          </a:prstGeom>
+          <a:ln w="28575">
+            <a:solidFill>
+              <a:schemeClr val="accent1"/>
+            </a:solidFill>
+          </a:ln>
+        </p:spPr>
+        <p:style>
+          <a:lnRef idx="1">
+            <a:schemeClr val="accent1"/>
+          </a:lnRef>
+          <a:fillRef idx="0">
+            <a:schemeClr val="accent1"/>
+          </a:fillRef>
+          <a:effectRef idx="0">
+            <a:schemeClr val="accent1"/>
+          </a:effectRef>
+          <a:fontRef idx="minor">
+            <a:schemeClr val="tx1"/>
+          </a:fontRef>
+        </p:style>
+        <p:txBody>
+          <a:bodyPr rtlCol="0" anchor="ctr"/>
+          <a:lstStyle/>
+          <a:p>
+            <a:pPr algn="ctr"/>
+            <a:endParaRPr lang="en-US" dirty="0">
+              <a:solidFill>
+                <a:srgbClr val="0070C0"/>
+              </a:solidFill>
+            </a:endParaRPr>
+          </a:p>
+        </p:txBody>
+      </p:sp>
+      <p:sp>
+        <p:nvSpPr>
+          <p:cNvPr id="24" name="TextBox 23">
+            <a:extLst>
+              <a:ext uri="{FF2B5EF4-FFF2-40B4-BE49-F238E27FC236}">
+                <a16:creationId xmlns:a16="http://schemas.microsoft.com/office/drawing/2014/main" id="{16AE7CA5-EBEC-BD35-B639-CA8A10ED4C57}"/>
+              </a:ext>
+            </a:extLst>
+          </p:cNvPr>
+          <p:cNvSpPr txBox="1"/>
+          <p:nvPr/>
+        </p:nvSpPr>
+        <p:spPr>
+          <a:xfrm>
+            <a:off x="3128209" y="5744811"/>
+            <a:ext cx="4251159" cy="461665"/>
+          </a:xfrm>
+          <a:prstGeom prst="rect">
+            <a:avLst/>
+          </a:prstGeom>
+          <a:noFill/>
+        </p:spPr>
+        <p:txBody>
+          <a:bodyPr wrap="square" rtlCol="0">
+            <a:spAutoFit/>
+          </a:bodyPr>
+          <a:lstStyle/>
+          <a:p>
+            <a:r>
+              <a:rPr lang="en-US" sz="2400" dirty="0">
+                <a:solidFill>
+                  <a:srgbClr val="0070C0"/>
+                </a:solidFill>
+              </a:rPr>
+              <a:t>(2) Store it in the variable c</a:t>
+            </a:r>
+          </a:p>
+        </p:txBody>
+      </p:sp>
+      <p:sp>
+        <p:nvSpPr>
+          <p:cNvPr id="25" name="TextBox 24">
+            <a:extLst>
+              <a:ext uri="{FF2B5EF4-FFF2-40B4-BE49-F238E27FC236}">
+                <a16:creationId xmlns:a16="http://schemas.microsoft.com/office/drawing/2014/main" id="{4126E289-34E0-E5F5-214F-8E42ED2F4788}"/>
+              </a:ext>
+            </a:extLst>
+          </p:cNvPr>
+          <p:cNvSpPr txBox="1"/>
+          <p:nvPr/>
+        </p:nvSpPr>
+        <p:spPr>
+          <a:xfrm>
+            <a:off x="3339396" y="3200778"/>
+            <a:ext cx="3228478" cy="461665"/>
+          </a:xfrm>
+          <a:prstGeom prst="rect">
+            <a:avLst/>
+          </a:prstGeom>
+          <a:noFill/>
+        </p:spPr>
+        <p:txBody>
+          <a:bodyPr wrap="square" rtlCol="0">
+            <a:spAutoFit/>
+          </a:bodyPr>
+          <a:lstStyle/>
+          <a:p>
+            <a:r>
+              <a:rPr lang="en-US" sz="2400" dirty="0">
+                <a:solidFill>
+                  <a:srgbClr val="0070C0"/>
+                </a:solidFill>
+              </a:rPr>
+              <a:t>(3) Compare to blank</a:t>
+            </a:r>
+          </a:p>
+        </p:txBody>
+      </p:sp>
+      <p:sp>
+        <p:nvSpPr>
+          <p:cNvPr id="26" name="Left Brace 25">
+            <a:extLst>
+              <a:ext uri="{FF2B5EF4-FFF2-40B4-BE49-F238E27FC236}">
+                <a16:creationId xmlns:a16="http://schemas.microsoft.com/office/drawing/2014/main" id="{F3B7E3BB-328E-5232-AAA5-A55649A8DE8E}"/>
+              </a:ext>
+            </a:extLst>
+          </p:cNvPr>
+          <p:cNvSpPr/>
+          <p:nvPr/>
+        </p:nvSpPr>
+        <p:spPr>
+          <a:xfrm rot="5400000">
+            <a:off x="8240732" y="2753932"/>
+            <a:ext cx="568558" cy="3708461"/>
+          </a:xfrm>
+          <a:prstGeom prst="leftBrace">
+            <a:avLst>
+              <a:gd name="adj1" fmla="val 16930"/>
+              <a:gd name="adj2" fmla="val 50417"/>
+            </a:avLst>
+          </a:prstGeom>
+          <a:ln w="28575">
+            <a:solidFill>
+              <a:schemeClr val="accent1"/>
+            </a:solidFill>
+          </a:ln>
+        </p:spPr>
+        <p:style>
+          <a:lnRef idx="1">
+            <a:schemeClr val="accent1"/>
+          </a:lnRef>
+          <a:fillRef idx="0">
+            <a:schemeClr val="accent1"/>
+          </a:fillRef>
+          <a:effectRef idx="0">
+            <a:schemeClr val="accent1"/>
+          </a:effectRef>
+          <a:fontRef idx="minor">
+            <a:schemeClr val="tx1"/>
+          </a:fontRef>
+        </p:style>
+        <p:txBody>
+          <a:bodyPr rtlCol="0" anchor="ctr"/>
+          <a:lstStyle/>
+          <a:p>
+            <a:pPr algn="ctr"/>
+            <a:endParaRPr lang="en-US" dirty="0">
+              <a:solidFill>
+                <a:srgbClr val="0070C0"/>
+              </a:solidFill>
+            </a:endParaRPr>
+          </a:p>
+        </p:txBody>
+      </p:sp>
+      <p:sp>
+        <p:nvSpPr>
+          <p:cNvPr id="27" name="TextBox 26">
+            <a:extLst>
+              <a:ext uri="{FF2B5EF4-FFF2-40B4-BE49-F238E27FC236}">
+                <a16:creationId xmlns:a16="http://schemas.microsoft.com/office/drawing/2014/main" id="{6EE3B45A-0607-CB23-071B-188B4E53B656}"/>
+              </a:ext>
+            </a:extLst>
+          </p:cNvPr>
+          <p:cNvSpPr txBox="1"/>
+          <p:nvPr/>
+        </p:nvSpPr>
+        <p:spPr>
+          <a:xfrm>
+            <a:off x="6670780" y="3762331"/>
+            <a:ext cx="4879535" cy="461665"/>
+          </a:xfrm>
+          <a:prstGeom prst="rect">
+            <a:avLst/>
+          </a:prstGeom>
+          <a:noFill/>
+        </p:spPr>
+        <p:txBody>
+          <a:bodyPr wrap="square" rtlCol="0">
+            <a:spAutoFit/>
+          </a:bodyPr>
+          <a:lstStyle/>
+          <a:p>
+            <a:r>
+              <a:rPr lang="en-US" sz="2400" dirty="0">
+                <a:solidFill>
+                  <a:srgbClr val="0070C0"/>
+                </a:solidFill>
+              </a:rPr>
+              <a:t>(3) Also compare to tab or newline</a:t>
+            </a:r>
+          </a:p>
+        </p:txBody>
+      </p:sp>
+      <p:sp>
+        <p:nvSpPr>
+          <p:cNvPr id="28" name="TextBox 27">
+            <a:extLst>
+              <a:ext uri="{FF2B5EF4-FFF2-40B4-BE49-F238E27FC236}">
+                <a16:creationId xmlns:a16="http://schemas.microsoft.com/office/drawing/2014/main" id="{EA5255D7-EEEB-F64B-CF36-D81450E9A83C}"/>
+              </a:ext>
+            </a:extLst>
+          </p:cNvPr>
+          <p:cNvSpPr txBox="1"/>
+          <p:nvPr/>
+        </p:nvSpPr>
+        <p:spPr>
+          <a:xfrm>
+            <a:off x="8114570" y="5790977"/>
+            <a:ext cx="4077430" cy="830997"/>
+          </a:xfrm>
+          <a:prstGeom prst="rect">
+            <a:avLst/>
+          </a:prstGeom>
+          <a:noFill/>
+        </p:spPr>
+        <p:txBody>
+          <a:bodyPr wrap="square" rtlCol="0">
+            <a:spAutoFit/>
+          </a:bodyPr>
+          <a:lstStyle/>
+          <a:p>
+            <a:r>
+              <a:rPr lang="en-US" sz="2400" dirty="0">
+                <a:solidFill>
+                  <a:srgbClr val="0070C0"/>
+                </a:solidFill>
+              </a:rPr>
+              <a:t>(4) All the work has been done in the loop termination test</a:t>
+            </a:r>
+          </a:p>
+        </p:txBody>
+      </p:sp>
+      <p:cxnSp>
+        <p:nvCxnSpPr>
+          <p:cNvPr id="29" name="Straight Arrow Connector 28">
+            <a:extLst>
+              <a:ext uri="{FF2B5EF4-FFF2-40B4-BE49-F238E27FC236}">
+                <a16:creationId xmlns:a16="http://schemas.microsoft.com/office/drawing/2014/main" id="{6995F0F4-19C3-5041-035B-9749A9684550}"/>
+              </a:ext>
+            </a:extLst>
+          </p:cNvPr>
+          <p:cNvCxnSpPr>
+            <a:cxnSpLocks/>
+            <a:stCxn id="28" idx="0"/>
+          </p:cNvCxnSpPr>
+          <p:nvPr/>
+        </p:nvCxnSpPr>
+        <p:spPr>
+          <a:xfrm flipV="1">
+            <a:off x="10153285" y="5316353"/>
+            <a:ext cx="425800" cy="474624"/>
+          </a:xfrm>
+          <a:prstGeom prst="straightConnector1">
+            <a:avLst/>
+          </a:prstGeom>
+          <a:ln w="57150">
+            <a:tailEnd type="triangle"/>
+          </a:ln>
+        </p:spPr>
+        <p:style>
+          <a:lnRef idx="1">
+            <a:schemeClr val="accent1"/>
+          </a:lnRef>
+          <a:fillRef idx="0">
+            <a:schemeClr val="accent1"/>
+          </a:fillRef>
+          <a:effectRef idx="0">
+            <a:schemeClr val="accent1"/>
+          </a:effectRef>
+          <a:fontRef idx="minor">
+            <a:schemeClr val="tx1"/>
+          </a:fontRef>
+        </p:style>
+      </p:cxnSp>
+    </p:spTree>
+    <p:extLst>
+      <p:ext uri="{BB962C8B-B14F-4D97-AF65-F5344CB8AC3E}">
+        <p14:creationId xmlns:p14="http://schemas.microsoft.com/office/powerpoint/2010/main" val="3913227384"/>
+      </p:ext>
+    </p:extLst>
+  </p:cSld>
+  <p:clrMapOvr>
+    <a:masterClrMapping/>
+  </p:clrMapOvr>
+</p:sld>
+</file>
+
+<file path=ppt/slides/slide8.xml><?xml version="1.0" encoding="utf-8"?>
+<p:sld xmlns:a="http://schemas.openxmlformats.org/drawingml/2006/main" xmlns:r="http://schemas.openxmlformats.org/officeDocument/2006/relationships" xmlns:p="http://schemas.openxmlformats.org/presentationml/2006/main">
+  <p:cSld>
+    <p:spTree>
+      <p:nvGrpSpPr>
+        <p:cNvPr id="1" name=""/>
+        <p:cNvGrpSpPr/>
+        <p:nvPr/>
+      </p:nvGrpSpPr>
+      <p:grpSpPr>
+        <a:xfrm>
+          <a:off x="0" y="0"/>
+          <a:ext cx="0" cy="0"/>
+          <a:chOff x="0" y="0"/>
+          <a:chExt cx="0" cy="0"/>
+        </a:xfrm>
+      </p:grpSpPr>
+      <p:sp>
+        <p:nvSpPr>
           <p:cNvPr id="3" name="Title 2">
             <a:extLst>
               <a:ext uri="{FF2B5EF4-FFF2-40B4-BE49-F238E27FC236}">
@@ -3701,18 +6706,18 @@
       </p:sp>
       <p:sp>
         <p:nvSpPr>
-          <p:cNvPr id="4" name="Content Placeholder 3">
-            <a:extLst>
-              <a:ext uri="{FF2B5EF4-FFF2-40B4-BE49-F238E27FC236}">
-                <a16:creationId xmlns:a16="http://schemas.microsoft.com/office/drawing/2014/main" id="{4EAA055D-FA59-02F9-40B6-72AFC8A29A76}"/>
-              </a:ext>
-            </a:extLst>
-          </p:cNvPr>
-          <p:cNvSpPr>
-            <a:spLocks noGrp="1"/>
-          </p:cNvSpPr>
-          <p:nvPr>
-            <p:ph sz="half" idx="1"/>
+          <p:cNvPr id="2" name="Content Placeholder 1">
+            <a:extLst>
+              <a:ext uri="{FF2B5EF4-FFF2-40B4-BE49-F238E27FC236}">
+                <a16:creationId xmlns:a16="http://schemas.microsoft.com/office/drawing/2014/main" id="{2D387DE3-6630-4D32-FA60-0A85C2537AA6}"/>
+              </a:ext>
+            </a:extLst>
+          </p:cNvPr>
+          <p:cNvSpPr>
+            <a:spLocks noGrp="1"/>
+          </p:cNvSpPr>
+          <p:nvPr>
+            <p:ph idx="1"/>
           </p:nvPr>
         </p:nvSpPr>
         <p:spPr/>
@@ -3720,32 +6725,34 @@
           <a:bodyPr/>
           <a:lstStyle/>
           <a:p>
-            <a:endParaRPr lang="en-US" dirty="0"/>
-          </a:p>
-        </p:txBody>
-      </p:sp>
-      <p:sp>
-        <p:nvSpPr>
-          <p:cNvPr id="5" name="Content Placeholder 4">
-            <a:extLst>
-              <a:ext uri="{FF2B5EF4-FFF2-40B4-BE49-F238E27FC236}">
-                <a16:creationId xmlns:a16="http://schemas.microsoft.com/office/drawing/2014/main" id="{23FD6821-0D52-C591-FBFA-4AB416D5DA58}"/>
-              </a:ext>
-            </a:extLst>
-          </p:cNvPr>
-          <p:cNvSpPr>
-            <a:spLocks noGrp="1"/>
-          </p:cNvSpPr>
-          <p:nvPr>
-            <p:ph sz="half" idx="2"/>
-          </p:nvPr>
-        </p:nvSpPr>
-        <p:spPr/>
-        <p:txBody>
-          <a:bodyPr/>
-          <a:lstStyle/>
-          <a:p>
-            <a:endParaRPr lang="en-US" dirty="0"/>
+            <a:r>
+              <a:rPr lang="en-US" dirty="0"/>
+              <a:t>Semicolon</a:t>
+            </a:r>
+          </a:p>
+          <a:p>
+            <a:r>
+              <a:rPr lang="en-US" dirty="0"/>
+              <a:t>switch</a:t>
+            </a:r>
+          </a:p>
+          <a:p>
+            <a:r>
+              <a:rPr lang="en-US" dirty="0"/>
+              <a:t>else if</a:t>
+            </a:r>
+          </a:p>
+          <a:p>
+            <a:r>
+              <a:rPr lang="en-US" dirty="0"/>
+              <a:t>comma</a:t>
+            </a:r>
+          </a:p>
+          <a:p>
+            <a:r>
+              <a:rPr lang="en-US" dirty="0"/>
+              <a:t>Obtuse code</a:t>
+            </a:r>
           </a:p>
         </p:txBody>
       </p:sp>
@@ -3762,7 +6769,7 @@
 </p:sld>
 </file>
 
-<file path=ppt/slides/slide5.xml><?xml version="1.0" encoding="utf-8"?>
+<file path=ppt/slides/slide9.xml><?xml version="1.0" encoding="utf-8"?>
 <p:sld xmlns:a="http://schemas.openxmlformats.org/drawingml/2006/main" xmlns:r="http://schemas.openxmlformats.org/officeDocument/2006/relationships" xmlns:p="http://schemas.openxmlformats.org/presentationml/2006/main">
   <p:cSld>
     <p:spTree>

--- a/lectures/KR-3.pptx
+++ b/lectures/KR-3.pptx
@@ -4606,7 +4606,7 @@
         </p:nvSpPr>
         <p:spPr>
           <a:xfrm>
-            <a:off x="5383011" y="4255156"/>
+            <a:off x="5346561" y="1777463"/>
             <a:ext cx="2332690" cy="1815882"/>
           </a:xfrm>
           <a:prstGeom prst="rect">
@@ -4707,7 +4707,7 @@
         </p:nvSpPr>
         <p:spPr>
           <a:xfrm>
-            <a:off x="5490412" y="1694903"/>
+            <a:off x="5373787" y="4279470"/>
             <a:ext cx="2225289" cy="1815882"/>
           </a:xfrm>
           <a:prstGeom prst="rect">

--- a/lectures/KR-3.pptx
+++ b/lectures/KR-3.pptx
@@ -267,7 +267,7 @@
           <a:p>
             <a:fld id="{C13A938A-C9BA-0346-A74F-83EB1631032C}" type="datetimeFigureOut">
               <a:rPr lang="en-US" smtClean="0"/>
-              <a:t>1/23/23</a:t>
+              <a:t>3/3/23</a:t>
             </a:fld>
             <a:endParaRPr lang="en-US"/>
           </a:p>
@@ -465,7 +465,7 @@
           <a:p>
             <a:fld id="{C13A938A-C9BA-0346-A74F-83EB1631032C}" type="datetimeFigureOut">
               <a:rPr lang="en-US" smtClean="0"/>
-              <a:t>1/23/23</a:t>
+              <a:t>3/3/23</a:t>
             </a:fld>
             <a:endParaRPr lang="en-US"/>
           </a:p>
@@ -673,7 +673,7 @@
           <a:p>
             <a:fld id="{C13A938A-C9BA-0346-A74F-83EB1631032C}" type="datetimeFigureOut">
               <a:rPr lang="en-US" smtClean="0"/>
-              <a:t>1/23/23</a:t>
+              <a:t>3/3/23</a:t>
             </a:fld>
             <a:endParaRPr lang="en-US"/>
           </a:p>
@@ -871,7 +871,7 @@
           <a:p>
             <a:fld id="{C13A938A-C9BA-0346-A74F-83EB1631032C}" type="datetimeFigureOut">
               <a:rPr lang="en-US" smtClean="0"/>
-              <a:t>1/23/23</a:t>
+              <a:t>3/3/23</a:t>
             </a:fld>
             <a:endParaRPr lang="en-US"/>
           </a:p>
@@ -1146,7 +1146,7 @@
           <a:p>
             <a:fld id="{C13A938A-C9BA-0346-A74F-83EB1631032C}" type="datetimeFigureOut">
               <a:rPr lang="en-US" smtClean="0"/>
-              <a:t>1/23/23</a:t>
+              <a:t>3/3/23</a:t>
             </a:fld>
             <a:endParaRPr lang="en-US"/>
           </a:p>
@@ -1411,7 +1411,7 @@
           <a:p>
             <a:fld id="{C13A938A-C9BA-0346-A74F-83EB1631032C}" type="datetimeFigureOut">
               <a:rPr lang="en-US" smtClean="0"/>
-              <a:t>1/23/23</a:t>
+              <a:t>3/3/23</a:t>
             </a:fld>
             <a:endParaRPr lang="en-US"/>
           </a:p>
@@ -1823,7 +1823,7 @@
           <a:p>
             <a:fld id="{C13A938A-C9BA-0346-A74F-83EB1631032C}" type="datetimeFigureOut">
               <a:rPr lang="en-US" smtClean="0"/>
-              <a:t>1/23/23</a:t>
+              <a:t>3/3/23</a:t>
             </a:fld>
             <a:endParaRPr lang="en-US"/>
           </a:p>
@@ -1964,7 +1964,7 @@
           <a:p>
             <a:fld id="{C13A938A-C9BA-0346-A74F-83EB1631032C}" type="datetimeFigureOut">
               <a:rPr lang="en-US" smtClean="0"/>
-              <a:t>1/23/23</a:t>
+              <a:t>3/3/23</a:t>
             </a:fld>
             <a:endParaRPr lang="en-US"/>
           </a:p>
@@ -2077,7 +2077,7 @@
           <a:p>
             <a:fld id="{C13A938A-C9BA-0346-A74F-83EB1631032C}" type="datetimeFigureOut">
               <a:rPr lang="en-US" smtClean="0"/>
-              <a:t>1/23/23</a:t>
+              <a:t>3/3/23</a:t>
             </a:fld>
             <a:endParaRPr lang="en-US"/>
           </a:p>
@@ -2388,7 +2388,7 @@
           <a:p>
             <a:fld id="{C13A938A-C9BA-0346-A74F-83EB1631032C}" type="datetimeFigureOut">
               <a:rPr lang="en-US" smtClean="0"/>
-              <a:t>1/23/23</a:t>
+              <a:t>3/3/23</a:t>
             </a:fld>
             <a:endParaRPr lang="en-US"/>
           </a:p>
@@ -2676,7 +2676,7 @@
           <a:p>
             <a:fld id="{C13A938A-C9BA-0346-A74F-83EB1631032C}" type="datetimeFigureOut">
               <a:rPr lang="en-US" smtClean="0"/>
-              <a:t>1/23/23</a:t>
+              <a:t>3/3/23</a:t>
             </a:fld>
             <a:endParaRPr lang="en-US"/>
           </a:p>
@@ -2917,7 +2917,7 @@
           <a:p>
             <a:fld id="{C13A938A-C9BA-0346-A74F-83EB1631032C}" type="datetimeFigureOut">
               <a:rPr lang="en-US" smtClean="0"/>
-              <a:t>1/23/23</a:t>
+              <a:t>3/3/23</a:t>
             </a:fld>
             <a:endParaRPr lang="en-US"/>
           </a:p>
@@ -3388,7 +3388,9 @@
         </p:nvSpPr>
         <p:spPr/>
         <p:txBody>
-          <a:bodyPr/>
+          <a:bodyPr>
+            <a:normAutofit lnSpcReduction="10000"/>
+          </a:bodyPr>
           <a:lstStyle/>
           <a:p>
             <a:r>
@@ -3401,6 +3403,19 @@
               <a:rPr lang="en-US" dirty="0"/>
               <a:t>www.cc4e.com</a:t>
             </a:r>
+          </a:p>
+          <a:p>
+            <a:r>
+              <a:rPr lang="en-US" dirty="0"/>
+              <a:t>code.cc4e.com (sample code)</a:t>
+            </a:r>
+          </a:p>
+          <a:p>
+            <a:r>
+              <a:rPr lang="en-US"/>
+              <a:t>online.dr-chuck.com</a:t>
+            </a:r>
+            <a:endParaRPr lang="en-US" dirty="0"/>
           </a:p>
         </p:txBody>
       </p:sp>
